--- a/show.pptx
+++ b/show.pptx
@@ -13,6 +13,7 @@
     <p:sldId id="260" r:id="rId8"/>
     <p:sldId id="261" r:id="rId9"/>
     <p:sldId id="262" r:id="rId10"/>
+    <p:sldId id="263" r:id="rId11"/>
   </p:sldIdLst>
   <p:sldSz cx="12192000" cy="6858000"/>
   <p:notesSz cx="7772400" cy="10058400"/>
@@ -71,7 +72,7 @@
         <p:spPr>
           <a:xfrm>
             <a:off x="1523880" y="1122480"/>
-            <a:ext cx="9143280" cy="2386800"/>
+            <a:ext cx="9142920" cy="2386440"/>
           </a:xfrm>
           <a:prstGeom prst="rect">
             <a:avLst/>
@@ -102,7 +103,7 @@
         <p:spPr>
           <a:xfrm>
             <a:off x="609480" y="1604520"/>
-            <a:ext cx="10972440" cy="1896840"/>
+            <a:ext cx="10972080" cy="1896840"/>
           </a:xfrm>
           <a:prstGeom prst="rect">
             <a:avLst/>
@@ -132,7 +133,7 @@
         <p:spPr>
           <a:xfrm>
             <a:off x="609480" y="3682080"/>
-            <a:ext cx="10972440" cy="1896840"/>
+            <a:ext cx="10972080" cy="1896840"/>
           </a:xfrm>
           <a:prstGeom prst="rect">
             <a:avLst/>
@@ -184,7 +185,7 @@
         <p:spPr>
           <a:xfrm>
             <a:off x="1523880" y="1122480"/>
-            <a:ext cx="9143280" cy="2386800"/>
+            <a:ext cx="9142920" cy="2386440"/>
           </a:xfrm>
           <a:prstGeom prst="rect">
             <a:avLst/>
@@ -357,7 +358,7 @@
         <p:spPr>
           <a:xfrm>
             <a:off x="1523880" y="1122480"/>
-            <a:ext cx="9143280" cy="2386800"/>
+            <a:ext cx="9142920" cy="2386440"/>
           </a:xfrm>
           <a:prstGeom prst="rect">
             <a:avLst/>
@@ -388,7 +389,7 @@
         <p:spPr>
           <a:xfrm>
             <a:off x="609480" y="1604520"/>
-            <a:ext cx="3533040" cy="1896840"/>
+            <a:ext cx="3532680" cy="1896840"/>
           </a:xfrm>
           <a:prstGeom prst="rect">
             <a:avLst/>
@@ -417,8 +418,8 @@
         </p:nvSpPr>
         <p:spPr>
           <a:xfrm>
-            <a:off x="4319640" y="1604520"/>
-            <a:ext cx="3533040" cy="1896840"/>
+            <a:off x="4319280" y="1604520"/>
+            <a:ext cx="3532680" cy="1896840"/>
           </a:xfrm>
           <a:prstGeom prst="rect">
             <a:avLst/>
@@ -447,8 +448,8 @@
         </p:nvSpPr>
         <p:spPr>
           <a:xfrm>
-            <a:off x="8029800" y="1604520"/>
-            <a:ext cx="3533040" cy="1896840"/>
+            <a:off x="8028720" y="1604520"/>
+            <a:ext cx="3532680" cy="1896840"/>
           </a:xfrm>
           <a:prstGeom prst="rect">
             <a:avLst/>
@@ -478,7 +479,7 @@
         <p:spPr>
           <a:xfrm>
             <a:off x="609480" y="3682080"/>
-            <a:ext cx="3533040" cy="1896840"/>
+            <a:ext cx="3532680" cy="1896840"/>
           </a:xfrm>
           <a:prstGeom prst="rect">
             <a:avLst/>
@@ -507,8 +508,8 @@
         </p:nvSpPr>
         <p:spPr>
           <a:xfrm>
-            <a:off x="4319640" y="3682080"/>
-            <a:ext cx="3533040" cy="1896840"/>
+            <a:off x="4319280" y="3682080"/>
+            <a:ext cx="3532680" cy="1896840"/>
           </a:xfrm>
           <a:prstGeom prst="rect">
             <a:avLst/>
@@ -537,8 +538,8 @@
         </p:nvSpPr>
         <p:spPr>
           <a:xfrm>
-            <a:off x="8029800" y="3682080"/>
-            <a:ext cx="3533040" cy="1896840"/>
+            <a:off x="8028720" y="3682080"/>
+            <a:ext cx="3532680" cy="1896840"/>
           </a:xfrm>
           <a:prstGeom prst="rect">
             <a:avLst/>
@@ -612,7 +613,7 @@
         <p:spPr>
           <a:xfrm>
             <a:off x="1523880" y="1122480"/>
-            <a:ext cx="9143280" cy="2386800"/>
+            <a:ext cx="9142920" cy="2386440"/>
           </a:xfrm>
           <a:prstGeom prst="rect">
             <a:avLst/>
@@ -643,7 +644,7 @@
         <p:spPr>
           <a:xfrm>
             <a:off x="609480" y="1604520"/>
-            <a:ext cx="10972440" cy="3977280"/>
+            <a:ext cx="10972080" cy="3976920"/>
           </a:xfrm>
           <a:prstGeom prst="rect">
             <a:avLst/>
@@ -696,7 +697,7 @@
         <p:spPr>
           <a:xfrm>
             <a:off x="1523880" y="1122480"/>
-            <a:ext cx="9143280" cy="2386800"/>
+            <a:ext cx="9142920" cy="2386440"/>
           </a:xfrm>
           <a:prstGeom prst="rect">
             <a:avLst/>
@@ -727,7 +728,7 @@
         <p:spPr>
           <a:xfrm>
             <a:off x="609480" y="1604520"/>
-            <a:ext cx="10972440" cy="3977280"/>
+            <a:ext cx="10972080" cy="3976920"/>
           </a:xfrm>
           <a:prstGeom prst="rect">
             <a:avLst/>
@@ -779,7 +780,7 @@
         <p:spPr>
           <a:xfrm>
             <a:off x="1523880" y="1122480"/>
-            <a:ext cx="9143280" cy="2386800"/>
+            <a:ext cx="9142920" cy="2386440"/>
           </a:xfrm>
           <a:prstGeom prst="rect">
             <a:avLst/>
@@ -810,7 +811,7 @@
         <p:spPr>
           <a:xfrm>
             <a:off x="609480" y="1604520"/>
-            <a:ext cx="5354280" cy="3977280"/>
+            <a:ext cx="5354280" cy="3976920"/>
           </a:xfrm>
           <a:prstGeom prst="rect">
             <a:avLst/>
@@ -840,7 +841,7 @@
         <p:spPr>
           <a:xfrm>
             <a:off x="6231960" y="1604520"/>
-            <a:ext cx="5354280" cy="3977280"/>
+            <a:ext cx="5354280" cy="3976920"/>
           </a:xfrm>
           <a:prstGeom prst="rect">
             <a:avLst/>
@@ -892,7 +893,7 @@
         <p:spPr>
           <a:xfrm>
             <a:off x="1523880" y="1122480"/>
-            <a:ext cx="9143280" cy="2386800"/>
+            <a:ext cx="9142920" cy="2386440"/>
           </a:xfrm>
           <a:prstGeom prst="rect">
             <a:avLst/>
@@ -945,7 +946,7 @@
         <p:spPr>
           <a:xfrm>
             <a:off x="1523880" y="1122480"/>
-            <a:ext cx="9143280" cy="11064960"/>
+            <a:ext cx="9142920" cy="11063520"/>
           </a:xfrm>
           <a:prstGeom prst="rect">
             <a:avLst/>
@@ -998,7 +999,7 @@
         <p:spPr>
           <a:xfrm>
             <a:off x="1523880" y="1122480"/>
-            <a:ext cx="9143280" cy="2386800"/>
+            <a:ext cx="9142920" cy="2386440"/>
           </a:xfrm>
           <a:prstGeom prst="rect">
             <a:avLst/>
@@ -1059,7 +1060,7 @@
         <p:spPr>
           <a:xfrm>
             <a:off x="6231960" y="1604520"/>
-            <a:ext cx="5354280" cy="3977280"/>
+            <a:ext cx="5354280" cy="3976920"/>
           </a:xfrm>
           <a:prstGeom prst="rect">
             <a:avLst/>
@@ -1141,7 +1142,7 @@
         <p:spPr>
           <a:xfrm>
             <a:off x="1523880" y="1122480"/>
-            <a:ext cx="9143280" cy="2386800"/>
+            <a:ext cx="9142920" cy="2386440"/>
           </a:xfrm>
           <a:prstGeom prst="rect">
             <a:avLst/>
@@ -1172,7 +1173,7 @@
         <p:spPr>
           <a:xfrm>
             <a:off x="609480" y="1604520"/>
-            <a:ext cx="10972440" cy="3977280"/>
+            <a:ext cx="10972080" cy="3976920"/>
           </a:xfrm>
           <a:prstGeom prst="rect">
             <a:avLst/>
@@ -1225,7 +1226,7 @@
         <p:spPr>
           <a:xfrm>
             <a:off x="1523880" y="1122480"/>
-            <a:ext cx="9143280" cy="2386800"/>
+            <a:ext cx="9142920" cy="2386440"/>
           </a:xfrm>
           <a:prstGeom prst="rect">
             <a:avLst/>
@@ -1256,7 +1257,7 @@
         <p:spPr>
           <a:xfrm>
             <a:off x="609480" y="1604520"/>
-            <a:ext cx="5354280" cy="3977280"/>
+            <a:ext cx="5354280" cy="3976920"/>
           </a:xfrm>
           <a:prstGeom prst="rect">
             <a:avLst/>
@@ -1368,7 +1369,7 @@
         <p:spPr>
           <a:xfrm>
             <a:off x="1523880" y="1122480"/>
-            <a:ext cx="9143280" cy="2386800"/>
+            <a:ext cx="9142920" cy="2386440"/>
           </a:xfrm>
           <a:prstGeom prst="rect">
             <a:avLst/>
@@ -1459,7 +1460,7 @@
         <p:spPr>
           <a:xfrm>
             <a:off x="609480" y="3682080"/>
-            <a:ext cx="10972440" cy="1896840"/>
+            <a:ext cx="10972080" cy="1896840"/>
           </a:xfrm>
           <a:prstGeom prst="rect">
             <a:avLst/>
@@ -1511,7 +1512,7 @@
         <p:spPr>
           <a:xfrm>
             <a:off x="1523880" y="1122480"/>
-            <a:ext cx="9143280" cy="2386800"/>
+            <a:ext cx="9142920" cy="2386440"/>
           </a:xfrm>
           <a:prstGeom prst="rect">
             <a:avLst/>
@@ -1542,7 +1543,7 @@
         <p:spPr>
           <a:xfrm>
             <a:off x="609480" y="1604520"/>
-            <a:ext cx="10972440" cy="1896840"/>
+            <a:ext cx="10972080" cy="1896840"/>
           </a:xfrm>
           <a:prstGeom prst="rect">
             <a:avLst/>
@@ -1572,7 +1573,7 @@
         <p:spPr>
           <a:xfrm>
             <a:off x="609480" y="3682080"/>
-            <a:ext cx="10972440" cy="1896840"/>
+            <a:ext cx="10972080" cy="1896840"/>
           </a:xfrm>
           <a:prstGeom prst="rect">
             <a:avLst/>
@@ -1624,7 +1625,7 @@
         <p:spPr>
           <a:xfrm>
             <a:off x="1523880" y="1122480"/>
-            <a:ext cx="9143280" cy="2386800"/>
+            <a:ext cx="9142920" cy="2386440"/>
           </a:xfrm>
           <a:prstGeom prst="rect">
             <a:avLst/>
@@ -1797,7 +1798,7 @@
         <p:spPr>
           <a:xfrm>
             <a:off x="1523880" y="1122480"/>
-            <a:ext cx="9143280" cy="2386800"/>
+            <a:ext cx="9142920" cy="2386440"/>
           </a:xfrm>
           <a:prstGeom prst="rect">
             <a:avLst/>
@@ -1828,7 +1829,7 @@
         <p:spPr>
           <a:xfrm>
             <a:off x="609480" y="1604520"/>
-            <a:ext cx="3533040" cy="1896840"/>
+            <a:ext cx="3532680" cy="1896840"/>
           </a:xfrm>
           <a:prstGeom prst="rect">
             <a:avLst/>
@@ -1857,8 +1858,8 @@
         </p:nvSpPr>
         <p:spPr>
           <a:xfrm>
-            <a:off x="4319640" y="1604520"/>
-            <a:ext cx="3533040" cy="1896840"/>
+            <a:off x="4319280" y="1604520"/>
+            <a:ext cx="3532680" cy="1896840"/>
           </a:xfrm>
           <a:prstGeom prst="rect">
             <a:avLst/>
@@ -1887,8 +1888,8 @@
         </p:nvSpPr>
         <p:spPr>
           <a:xfrm>
-            <a:off x="8029800" y="1604520"/>
-            <a:ext cx="3533040" cy="1896840"/>
+            <a:off x="8028720" y="1604520"/>
+            <a:ext cx="3532680" cy="1896840"/>
           </a:xfrm>
           <a:prstGeom prst="rect">
             <a:avLst/>
@@ -1918,7 +1919,7 @@
         <p:spPr>
           <a:xfrm>
             <a:off x="609480" y="3682080"/>
-            <a:ext cx="3533040" cy="1896840"/>
+            <a:ext cx="3532680" cy="1896840"/>
           </a:xfrm>
           <a:prstGeom prst="rect">
             <a:avLst/>
@@ -1947,8 +1948,8 @@
         </p:nvSpPr>
         <p:spPr>
           <a:xfrm>
-            <a:off x="4319640" y="3682080"/>
-            <a:ext cx="3533040" cy="1896840"/>
+            <a:off x="4319280" y="3682080"/>
+            <a:ext cx="3532680" cy="1896840"/>
           </a:xfrm>
           <a:prstGeom prst="rect">
             <a:avLst/>
@@ -1977,8 +1978,8 @@
         </p:nvSpPr>
         <p:spPr>
           <a:xfrm>
-            <a:off x="8029800" y="3682080"/>
-            <a:ext cx="3533040" cy="1896840"/>
+            <a:off x="8028720" y="3682080"/>
+            <a:ext cx="3532680" cy="1896840"/>
           </a:xfrm>
           <a:prstGeom prst="rect">
             <a:avLst/>
@@ -2030,7 +2031,7 @@
         <p:spPr>
           <a:xfrm>
             <a:off x="1523880" y="1122480"/>
-            <a:ext cx="9143280" cy="2386800"/>
+            <a:ext cx="9142920" cy="2386440"/>
           </a:xfrm>
           <a:prstGeom prst="rect">
             <a:avLst/>
@@ -2061,7 +2062,7 @@
         <p:spPr>
           <a:xfrm>
             <a:off x="609480" y="1604520"/>
-            <a:ext cx="10972440" cy="3977280"/>
+            <a:ext cx="10972080" cy="3976920"/>
           </a:xfrm>
           <a:prstGeom prst="rect">
             <a:avLst/>
@@ -2113,7 +2114,7 @@
         <p:spPr>
           <a:xfrm>
             <a:off x="1523880" y="1122480"/>
-            <a:ext cx="9143280" cy="2386800"/>
+            <a:ext cx="9142920" cy="2386440"/>
           </a:xfrm>
           <a:prstGeom prst="rect">
             <a:avLst/>
@@ -2144,7 +2145,7 @@
         <p:spPr>
           <a:xfrm>
             <a:off x="609480" y="1604520"/>
-            <a:ext cx="5354280" cy="3977280"/>
+            <a:ext cx="5354280" cy="3976920"/>
           </a:xfrm>
           <a:prstGeom prst="rect">
             <a:avLst/>
@@ -2174,7 +2175,7 @@
         <p:spPr>
           <a:xfrm>
             <a:off x="6231960" y="1604520"/>
-            <a:ext cx="5354280" cy="3977280"/>
+            <a:ext cx="5354280" cy="3976920"/>
           </a:xfrm>
           <a:prstGeom prst="rect">
             <a:avLst/>
@@ -2226,7 +2227,7 @@
         <p:spPr>
           <a:xfrm>
             <a:off x="1523880" y="1122480"/>
-            <a:ext cx="9143280" cy="2386800"/>
+            <a:ext cx="9142920" cy="2386440"/>
           </a:xfrm>
           <a:prstGeom prst="rect">
             <a:avLst/>
@@ -2279,7 +2280,7 @@
         <p:spPr>
           <a:xfrm>
             <a:off x="1523880" y="1122480"/>
-            <a:ext cx="9143280" cy="11064960"/>
+            <a:ext cx="9142920" cy="11063520"/>
           </a:xfrm>
           <a:prstGeom prst="rect">
             <a:avLst/>
@@ -2332,7 +2333,7 @@
         <p:spPr>
           <a:xfrm>
             <a:off x="1523880" y="1122480"/>
-            <a:ext cx="9143280" cy="2386800"/>
+            <a:ext cx="9142920" cy="2386440"/>
           </a:xfrm>
           <a:prstGeom prst="rect">
             <a:avLst/>
@@ -2393,7 +2394,7 @@
         <p:spPr>
           <a:xfrm>
             <a:off x="6231960" y="1604520"/>
-            <a:ext cx="5354280" cy="3977280"/>
+            <a:ext cx="5354280" cy="3976920"/>
           </a:xfrm>
           <a:prstGeom prst="rect">
             <a:avLst/>
@@ -2475,7 +2476,7 @@
         <p:spPr>
           <a:xfrm>
             <a:off x="1523880" y="1122480"/>
-            <a:ext cx="9143280" cy="2386800"/>
+            <a:ext cx="9142920" cy="2386440"/>
           </a:xfrm>
           <a:prstGeom prst="rect">
             <a:avLst/>
@@ -2506,7 +2507,7 @@
         <p:spPr>
           <a:xfrm>
             <a:off x="609480" y="1604520"/>
-            <a:ext cx="5354280" cy="3977280"/>
+            <a:ext cx="5354280" cy="3976920"/>
           </a:xfrm>
           <a:prstGeom prst="rect">
             <a:avLst/>
@@ -2618,7 +2619,7 @@
         <p:spPr>
           <a:xfrm>
             <a:off x="1523880" y="1122480"/>
-            <a:ext cx="9143280" cy="2386800"/>
+            <a:ext cx="9142920" cy="2386440"/>
           </a:xfrm>
           <a:prstGeom prst="rect">
             <a:avLst/>
@@ -2709,7 +2710,7 @@
         <p:spPr>
           <a:xfrm>
             <a:off x="609480" y="3682080"/>
-            <a:ext cx="10972440" cy="1896840"/>
+            <a:ext cx="10972080" cy="1896840"/>
           </a:xfrm>
           <a:prstGeom prst="rect">
             <a:avLst/>
@@ -2768,7 +2769,7 @@
         <p:spPr>
           <a:xfrm>
             <a:off x="1523880" y="1122480"/>
-            <a:ext cx="9143280" cy="2386800"/>
+            <a:ext cx="9142920" cy="2386440"/>
           </a:xfrm>
           <a:prstGeom prst="rect">
             <a:avLst/>
@@ -2783,7 +2784,205 @@
               <a:rPr b="0" lang="fr-FR" sz="1800" spc="-1" strike="noStrike">
                 <a:latin typeface="Arial"/>
               </a:rPr>
-              <a:t>Cliquez pour éditer le format du texte-titre</a:t>
+              <a:t>C</a:t>
+            </a:r>
+            <a:r>
+              <a:rPr b="0" lang="fr-FR" sz="1800" spc="-1" strike="noStrike">
+                <a:latin typeface="Arial"/>
+              </a:rPr>
+              <a:t>li</a:t>
+            </a:r>
+            <a:r>
+              <a:rPr b="0" lang="fr-FR" sz="1800" spc="-1" strike="noStrike">
+                <a:latin typeface="Arial"/>
+              </a:rPr>
+              <a:t>q</a:t>
+            </a:r>
+            <a:r>
+              <a:rPr b="0" lang="fr-FR" sz="1800" spc="-1" strike="noStrike">
+                <a:latin typeface="Arial"/>
+              </a:rPr>
+              <a:t>u</a:t>
+            </a:r>
+            <a:r>
+              <a:rPr b="0" lang="fr-FR" sz="1800" spc="-1" strike="noStrike">
+                <a:latin typeface="Arial"/>
+              </a:rPr>
+              <a:t>e</a:t>
+            </a:r>
+            <a:r>
+              <a:rPr b="0" lang="fr-FR" sz="1800" spc="-1" strike="noStrike">
+                <a:latin typeface="Arial"/>
+              </a:rPr>
+              <a:t>z </a:t>
+            </a:r>
+            <a:r>
+              <a:rPr b="0" lang="fr-FR" sz="1800" spc="-1" strike="noStrike">
+                <a:latin typeface="Arial"/>
+              </a:rPr>
+              <a:t>p</a:t>
+            </a:r>
+            <a:r>
+              <a:rPr b="0" lang="fr-FR" sz="1800" spc="-1" strike="noStrike">
+                <a:latin typeface="Arial"/>
+              </a:rPr>
+              <a:t>o</a:t>
+            </a:r>
+            <a:r>
+              <a:rPr b="0" lang="fr-FR" sz="1800" spc="-1" strike="noStrike">
+                <a:latin typeface="Arial"/>
+              </a:rPr>
+              <a:t>u</a:t>
+            </a:r>
+            <a:r>
+              <a:rPr b="0" lang="fr-FR" sz="1800" spc="-1" strike="noStrike">
+                <a:latin typeface="Arial"/>
+              </a:rPr>
+              <a:t>r </a:t>
+            </a:r>
+            <a:r>
+              <a:rPr b="0" lang="fr-FR" sz="1800" spc="-1" strike="noStrike">
+                <a:latin typeface="Arial"/>
+              </a:rPr>
+              <a:t>é</a:t>
+            </a:r>
+            <a:r>
+              <a:rPr b="0" lang="fr-FR" sz="1800" spc="-1" strike="noStrike">
+                <a:latin typeface="Arial"/>
+              </a:rPr>
+              <a:t>d</a:t>
+            </a:r>
+            <a:r>
+              <a:rPr b="0" lang="fr-FR" sz="1800" spc="-1" strike="noStrike">
+                <a:latin typeface="Arial"/>
+              </a:rPr>
+              <a:t>it</a:t>
+            </a:r>
+            <a:r>
+              <a:rPr b="0" lang="fr-FR" sz="1800" spc="-1" strike="noStrike">
+                <a:latin typeface="Arial"/>
+              </a:rPr>
+              <a:t>e</a:t>
+            </a:r>
+            <a:r>
+              <a:rPr b="0" lang="fr-FR" sz="1800" spc="-1" strike="noStrike">
+                <a:latin typeface="Arial"/>
+              </a:rPr>
+              <a:t>r </a:t>
+            </a:r>
+            <a:r>
+              <a:rPr b="0" lang="fr-FR" sz="1800" spc="-1" strike="noStrike">
+                <a:latin typeface="Arial"/>
+              </a:rPr>
+              <a:t>l</a:t>
+            </a:r>
+            <a:r>
+              <a:rPr b="0" lang="fr-FR" sz="1800" spc="-1" strike="noStrike">
+                <a:latin typeface="Arial"/>
+              </a:rPr>
+              <a:t>e </a:t>
+            </a:r>
+            <a:r>
+              <a:rPr b="0" lang="fr-FR" sz="1800" spc="-1" strike="noStrike">
+                <a:latin typeface="Arial"/>
+              </a:rPr>
+              <a:t>f</a:t>
+            </a:r>
+            <a:r>
+              <a:rPr b="0" lang="fr-FR" sz="1800" spc="-1" strike="noStrike">
+                <a:latin typeface="Arial"/>
+              </a:rPr>
+              <a:t>o</a:t>
+            </a:r>
+            <a:r>
+              <a:rPr b="0" lang="fr-FR" sz="1800" spc="-1" strike="noStrike">
+                <a:latin typeface="Arial"/>
+              </a:rPr>
+              <a:t>r</a:t>
+            </a:r>
+            <a:r>
+              <a:rPr b="0" lang="fr-FR" sz="1800" spc="-1" strike="noStrike">
+                <a:latin typeface="Arial"/>
+              </a:rPr>
+              <a:t>m</a:t>
+            </a:r>
+            <a:r>
+              <a:rPr b="0" lang="fr-FR" sz="1800" spc="-1" strike="noStrike">
+                <a:latin typeface="Arial"/>
+              </a:rPr>
+              <a:t>a</a:t>
+            </a:r>
+            <a:r>
+              <a:rPr b="0" lang="fr-FR" sz="1800" spc="-1" strike="noStrike">
+                <a:latin typeface="Arial"/>
+              </a:rPr>
+              <a:t>t </a:t>
+            </a:r>
+            <a:r>
+              <a:rPr b="0" lang="fr-FR" sz="1800" spc="-1" strike="noStrike">
+                <a:latin typeface="Arial"/>
+              </a:rPr>
+              <a:t>d</a:t>
+            </a:r>
+            <a:r>
+              <a:rPr b="0" lang="fr-FR" sz="1800" spc="-1" strike="noStrike">
+                <a:latin typeface="Arial"/>
+              </a:rPr>
+              <a:t>u </a:t>
+            </a:r>
+            <a:r>
+              <a:rPr b="0" lang="fr-FR" sz="1800" spc="-1" strike="noStrike">
+                <a:latin typeface="Arial"/>
+              </a:rPr>
+              <a:t>t</a:t>
+            </a:r>
+            <a:r>
+              <a:rPr b="0" lang="fr-FR" sz="1800" spc="-1" strike="noStrike">
+                <a:latin typeface="Arial"/>
+              </a:rPr>
+              <a:t>e</a:t>
+            </a:r>
+            <a:r>
+              <a:rPr b="0" lang="fr-FR" sz="1800" spc="-1" strike="noStrike">
+                <a:latin typeface="Arial"/>
+              </a:rPr>
+              <a:t>x</a:t>
+            </a:r>
+            <a:r>
+              <a:rPr b="0" lang="fr-FR" sz="1800" spc="-1" strike="noStrike">
+                <a:latin typeface="Arial"/>
+              </a:rPr>
+              <a:t>t</a:t>
+            </a:r>
+            <a:r>
+              <a:rPr b="0" lang="fr-FR" sz="1800" spc="-1" strike="noStrike">
+                <a:latin typeface="Arial"/>
+              </a:rPr>
+              <a:t>e</a:t>
+            </a:r>
+            <a:r>
+              <a:rPr b="0" lang="fr-FR" sz="1800" spc="-1" strike="noStrike">
+                <a:latin typeface="Arial"/>
+              </a:rPr>
+              <a:t>-</a:t>
+            </a:r>
+            <a:r>
+              <a:rPr b="0" lang="fr-FR" sz="1800" spc="-1" strike="noStrike">
+                <a:latin typeface="Arial"/>
+              </a:rPr>
+              <a:t>ti</a:t>
+            </a:r>
+            <a:r>
+              <a:rPr b="0" lang="fr-FR" sz="1800" spc="-1" strike="noStrike">
+                <a:latin typeface="Arial"/>
+              </a:rPr>
+              <a:t>tr</a:t>
+            </a:r>
+            <a:r>
+              <a:rPr b="0" lang="fr-FR" sz="1800" spc="-1" strike="noStrike">
+                <a:latin typeface="Arial"/>
+              </a:rPr>
+              <a:t>e</a:t>
             </a:r>
             <a:endParaRPr b="0" lang="fr-FR" sz="1800" spc="-1" strike="noStrike">
               <a:latin typeface="Arial"/>
@@ -2804,7 +3003,7 @@
         <p:spPr>
           <a:xfrm>
             <a:off x="609480" y="1604520"/>
-            <a:ext cx="10972440" cy="3977280"/>
+            <a:ext cx="10972080" cy="3976920"/>
           </a:xfrm>
           <a:prstGeom prst="rect">
             <a:avLst/>
@@ -2827,12 +3026,12 @@
               <a:buChar char=""/>
             </a:pPr>
             <a:r>
-              <a:rPr b="0" lang="fr-FR" sz="3200" spc="-1" strike="noStrike">
+              <a:rPr b="0" lang="fr-FR" sz="1800" spc="-1" strike="noStrike">
                 <a:latin typeface="Arial"/>
               </a:rPr>
               <a:t>Cliquez pour éditer le format du plan de texte</a:t>
             </a:r>
-            <a:endParaRPr b="0" lang="fr-FR" sz="3200" spc="-1" strike="noStrike">
+            <a:endParaRPr b="0" lang="fr-FR" sz="1800" spc="-1" strike="noStrike">
               <a:latin typeface="Arial"/>
             </a:endParaRPr>
           </a:p>
@@ -2849,12 +3048,12 @@
               <a:buChar char=""/>
             </a:pPr>
             <a:r>
-              <a:rPr b="0" lang="fr-FR" sz="2800" spc="-1" strike="noStrike">
+              <a:rPr b="0" lang="fr-FR" sz="1800" spc="-1" strike="noStrike">
                 <a:latin typeface="Arial"/>
               </a:rPr>
               <a:t>Second niveau de plan</a:t>
             </a:r>
-            <a:endParaRPr b="0" lang="fr-FR" sz="2800" spc="-1" strike="noStrike">
+            <a:endParaRPr b="0" lang="fr-FR" sz="1800" spc="-1" strike="noStrike">
               <a:latin typeface="Arial"/>
             </a:endParaRPr>
           </a:p>
@@ -2871,12 +3070,12 @@
               <a:buChar char=""/>
             </a:pPr>
             <a:r>
-              <a:rPr b="0" lang="fr-FR" sz="2400" spc="-1" strike="noStrike">
+              <a:rPr b="0" lang="fr-FR" sz="1800" spc="-1" strike="noStrike">
                 <a:latin typeface="Arial"/>
               </a:rPr>
               <a:t>Troisième niveau de plan</a:t>
             </a:r>
-            <a:endParaRPr b="0" lang="fr-FR" sz="2400" spc="-1" strike="noStrike">
+            <a:endParaRPr b="0" lang="fr-FR" sz="1800" spc="-1" strike="noStrike">
               <a:latin typeface="Arial"/>
             </a:endParaRPr>
           </a:p>
@@ -2893,12 +3092,12 @@
               <a:buChar char=""/>
             </a:pPr>
             <a:r>
-              <a:rPr b="0" lang="fr-FR" sz="2000" spc="-1" strike="noStrike">
+              <a:rPr b="0" lang="fr-FR" sz="1800" spc="-1" strike="noStrike">
                 <a:latin typeface="Arial"/>
               </a:rPr>
               <a:t>Quatrième niveau de plan</a:t>
             </a:r>
-            <a:endParaRPr b="0" lang="fr-FR" sz="2000" spc="-1" strike="noStrike">
+            <a:endParaRPr b="0" lang="fr-FR" sz="1800" spc="-1" strike="noStrike">
               <a:latin typeface="Arial"/>
             </a:endParaRPr>
           </a:p>
@@ -2915,12 +3114,12 @@
               <a:buChar char=""/>
             </a:pPr>
             <a:r>
-              <a:rPr b="0" lang="fr-FR" sz="2000" spc="-1" strike="noStrike">
+              <a:rPr b="0" lang="fr-FR" sz="1800" spc="-1" strike="noStrike">
                 <a:latin typeface="Arial"/>
               </a:rPr>
               <a:t>Cinquième niveau de plan</a:t>
             </a:r>
-            <a:endParaRPr b="0" lang="fr-FR" sz="2000" spc="-1" strike="noStrike">
+            <a:endParaRPr b="0" lang="fr-FR" sz="1800" spc="-1" strike="noStrike">
               <a:latin typeface="Arial"/>
             </a:endParaRPr>
           </a:p>
@@ -2937,12 +3136,12 @@
               <a:buChar char=""/>
             </a:pPr>
             <a:r>
-              <a:rPr b="0" lang="fr-FR" sz="2000" spc="-1" strike="noStrike">
+              <a:rPr b="0" lang="fr-FR" sz="1800" spc="-1" strike="noStrike">
                 <a:latin typeface="Arial"/>
               </a:rPr>
               <a:t>Sixième niveau de plan</a:t>
             </a:r>
-            <a:endParaRPr b="0" lang="fr-FR" sz="2000" spc="-1" strike="noStrike">
+            <a:endParaRPr b="0" lang="fr-FR" sz="1800" spc="-1" strike="noStrike">
               <a:latin typeface="Arial"/>
             </a:endParaRPr>
           </a:p>
@@ -2959,12 +3158,12 @@
               <a:buChar char=""/>
             </a:pPr>
             <a:r>
-              <a:rPr b="0" lang="fr-FR" sz="2000" spc="-1" strike="noStrike">
+              <a:rPr b="0" lang="fr-FR" sz="1800" spc="-1" strike="noStrike">
                 <a:latin typeface="Arial"/>
               </a:rPr>
               <a:t>Septième niveau de plan</a:t>
             </a:r>
-            <a:endParaRPr b="0" lang="fr-FR" sz="2000" spc="-1" strike="noStrike">
+            <a:endParaRPr b="0" lang="fr-FR" sz="1800" spc="-1" strike="noStrike">
               <a:latin typeface="Arial"/>
             </a:endParaRPr>
           </a:p>
@@ -3027,7 +3226,7 @@
         <p:spPr>
           <a:xfrm>
             <a:off x="1523880" y="1122480"/>
-            <a:ext cx="9143280" cy="2386800"/>
+            <a:ext cx="9142920" cy="2386440"/>
           </a:xfrm>
           <a:prstGeom prst="rect">
             <a:avLst/>
@@ -3063,7 +3262,7 @@
         <p:spPr>
           <a:xfrm>
             <a:off x="609480" y="1604520"/>
-            <a:ext cx="10972440" cy="3977280"/>
+            <a:ext cx="10972080" cy="3976920"/>
           </a:xfrm>
           <a:prstGeom prst="rect">
             <a:avLst/>
@@ -3086,12 +3285,12 @@
               <a:buChar char=""/>
             </a:pPr>
             <a:r>
-              <a:rPr b="0" lang="fr-FR" sz="3200" spc="-1" strike="noStrike">
+              <a:rPr b="0" lang="fr-FR" sz="1800" spc="-1" strike="noStrike">
                 <a:latin typeface="Arial"/>
               </a:rPr>
               <a:t>Cliquez pour éditer le format du plan de texte</a:t>
             </a:r>
-            <a:endParaRPr b="0" lang="fr-FR" sz="3200" spc="-1" strike="noStrike">
+            <a:endParaRPr b="0" lang="fr-FR" sz="1800" spc="-1" strike="noStrike">
               <a:latin typeface="Arial"/>
             </a:endParaRPr>
           </a:p>
@@ -3108,12 +3307,12 @@
               <a:buChar char=""/>
             </a:pPr>
             <a:r>
-              <a:rPr b="0" lang="fr-FR" sz="2800" spc="-1" strike="noStrike">
+              <a:rPr b="0" lang="fr-FR" sz="1800" spc="-1" strike="noStrike">
                 <a:latin typeface="Arial"/>
               </a:rPr>
               <a:t>Second niveau de plan</a:t>
             </a:r>
-            <a:endParaRPr b="0" lang="fr-FR" sz="2800" spc="-1" strike="noStrike">
+            <a:endParaRPr b="0" lang="fr-FR" sz="1800" spc="-1" strike="noStrike">
               <a:latin typeface="Arial"/>
             </a:endParaRPr>
           </a:p>
@@ -3130,12 +3329,12 @@
               <a:buChar char=""/>
             </a:pPr>
             <a:r>
-              <a:rPr b="0" lang="fr-FR" sz="2400" spc="-1" strike="noStrike">
+              <a:rPr b="0" lang="fr-FR" sz="1800" spc="-1" strike="noStrike">
                 <a:latin typeface="Arial"/>
               </a:rPr>
               <a:t>Troisième niveau de plan</a:t>
             </a:r>
-            <a:endParaRPr b="0" lang="fr-FR" sz="2400" spc="-1" strike="noStrike">
+            <a:endParaRPr b="0" lang="fr-FR" sz="1800" spc="-1" strike="noStrike">
               <a:latin typeface="Arial"/>
             </a:endParaRPr>
           </a:p>
@@ -3152,12 +3351,12 @@
               <a:buChar char=""/>
             </a:pPr>
             <a:r>
-              <a:rPr b="0" lang="fr-FR" sz="2000" spc="-1" strike="noStrike">
+              <a:rPr b="0" lang="fr-FR" sz="1800" spc="-1" strike="noStrike">
                 <a:latin typeface="Arial"/>
               </a:rPr>
               <a:t>Quatrième niveau de plan</a:t>
             </a:r>
-            <a:endParaRPr b="0" lang="fr-FR" sz="2000" spc="-1" strike="noStrike">
+            <a:endParaRPr b="0" lang="fr-FR" sz="1800" spc="-1" strike="noStrike">
               <a:latin typeface="Arial"/>
             </a:endParaRPr>
           </a:p>
@@ -3174,12 +3373,12 @@
               <a:buChar char=""/>
             </a:pPr>
             <a:r>
-              <a:rPr b="0" lang="fr-FR" sz="2000" spc="-1" strike="noStrike">
+              <a:rPr b="0" lang="fr-FR" sz="1800" spc="-1" strike="noStrike">
                 <a:latin typeface="Arial"/>
               </a:rPr>
               <a:t>Cinquième niveau de plan</a:t>
             </a:r>
-            <a:endParaRPr b="0" lang="fr-FR" sz="2000" spc="-1" strike="noStrike">
+            <a:endParaRPr b="0" lang="fr-FR" sz="1800" spc="-1" strike="noStrike">
               <a:latin typeface="Arial"/>
             </a:endParaRPr>
           </a:p>
@@ -3196,12 +3395,12 @@
               <a:buChar char=""/>
             </a:pPr>
             <a:r>
-              <a:rPr b="0" lang="fr-FR" sz="2000" spc="-1" strike="noStrike">
+              <a:rPr b="0" lang="fr-FR" sz="1800" spc="-1" strike="noStrike">
                 <a:latin typeface="Arial"/>
               </a:rPr>
               <a:t>Sixième niveau de plan</a:t>
             </a:r>
-            <a:endParaRPr b="0" lang="fr-FR" sz="2000" spc="-1" strike="noStrike">
+            <a:endParaRPr b="0" lang="fr-FR" sz="1800" spc="-1" strike="noStrike">
               <a:latin typeface="Arial"/>
             </a:endParaRPr>
           </a:p>
@@ -3218,12 +3417,12 @@
               <a:buChar char=""/>
             </a:pPr>
             <a:r>
-              <a:rPr b="0" lang="fr-FR" sz="2000" spc="-1" strike="noStrike">
+              <a:rPr b="0" lang="fr-FR" sz="1800" spc="-1" strike="noStrike">
                 <a:latin typeface="Arial"/>
               </a:rPr>
               <a:t>Septième niveau de plan</a:t>
             </a:r>
-            <a:endParaRPr b="0" lang="fr-FR" sz="2000" spc="-1" strike="noStrike">
+            <a:endParaRPr b="0" lang="fr-FR" sz="1800" spc="-1" strike="noStrike">
               <a:latin typeface="Arial"/>
             </a:endParaRPr>
           </a:p>
@@ -3282,7 +3481,7 @@
         <p:spPr>
           <a:xfrm>
             <a:off x="11512440" y="243000"/>
-            <a:ext cx="450360" cy="450360"/>
+            <a:ext cx="450000" cy="450000"/>
           </a:xfrm>
           <a:prstGeom prst="ellipse">
             <a:avLst/>
@@ -3338,7 +3537,7 @@
         <p:spPr>
           <a:xfrm>
             <a:off x="567720" y="331920"/>
-            <a:ext cx="10763280" cy="851760"/>
+            <a:ext cx="10762920" cy="851400"/>
           </a:xfrm>
           <a:prstGeom prst="rect">
             <a:avLst/>
@@ -3398,13 +3597,13 @@
         </p:nvPicPr>
         <p:blipFill>
           <a:blip r:embed="rId1"/>
-          <a:srcRect l="0" t="0" r="0" b="26579"/>
+          <a:srcRect l="0" t="0" r="0" b="26576"/>
           <a:stretch/>
         </p:blipFill>
         <p:spPr>
           <a:xfrm>
             <a:off x="4608000" y="1224000"/>
-            <a:ext cx="3456000" cy="5472000"/>
+            <a:ext cx="3455640" cy="5471640"/>
           </a:xfrm>
           <a:prstGeom prst="rect">
             <a:avLst/>
@@ -3460,7 +3659,7 @@
         <p:spPr>
           <a:xfrm>
             <a:off x="11512440" y="243000"/>
-            <a:ext cx="450360" cy="450360"/>
+            <a:ext cx="450000" cy="450000"/>
           </a:xfrm>
           <a:prstGeom prst="ellipse">
             <a:avLst/>
@@ -3516,7 +3715,7 @@
         <p:spPr>
           <a:xfrm>
             <a:off x="540720" y="144000"/>
-            <a:ext cx="10763280" cy="851760"/>
+            <a:ext cx="10762920" cy="851400"/>
           </a:xfrm>
           <a:prstGeom prst="rect">
             <a:avLst/>
@@ -3560,37 +3759,7 @@
                 <a:latin typeface="Noto Sans"/>
                 <a:ea typeface="Noto Sans"/>
               </a:rPr>
-              <a:t>Gra</a:t>
-            </a:r>
-            <a:r>
-              <a:rPr b="0" lang="en-GB" sz="5000" spc="-1" strike="noStrike">
-                <a:solidFill>
-                  <a:srgbClr val="ffffff"/>
-                </a:solidFill>
-                <a:latin typeface="Noto Sans"/>
-                <a:ea typeface="Noto Sans"/>
-              </a:rPr>
-              <a:t>b </a:t>
-            </a:r>
-            <a:r>
-              <a:rPr b="0" lang="en-GB" sz="5000" spc="-1" strike="noStrike">
-                <a:solidFill>
-                  <a:srgbClr val="ffffff"/>
-                </a:solidFill>
-                <a:latin typeface="Noto Sans"/>
-                <a:ea typeface="Noto Sans"/>
-              </a:rPr>
-              <a:t>serv</a:t>
-            </a:r>
-            <a:r>
-              <a:rPr b="0" lang="en-GB" sz="5000" spc="-1" strike="noStrike">
-                <a:solidFill>
-                  <a:srgbClr val="ffffff"/>
-                </a:solidFill>
-                <a:latin typeface="Noto Sans"/>
-                <a:ea typeface="Noto Sans"/>
-              </a:rPr>
-              <a:t>ices</a:t>
+              <a:t>Grab services</a:t>
             </a:r>
             <a:endParaRPr b="0" lang="fr-FR" sz="5000" spc="-1" strike="noStrike">
               <a:latin typeface="Arial"/>
@@ -3612,7 +3781,7 @@
         <p:spPr>
           <a:xfrm>
             <a:off x="1368000" y="1440000"/>
-            <a:ext cx="3672000" cy="5111640"/>
+            <a:ext cx="3671640" cy="5111280"/>
           </a:xfrm>
           <a:prstGeom prst="rect">
             <a:avLst/>
@@ -3631,7 +3800,7 @@
         <p:spPr>
           <a:xfrm>
             <a:off x="6480000" y="1368000"/>
-            <a:ext cx="4752000" cy="4752000"/>
+            <a:ext cx="4751640" cy="4751640"/>
           </a:xfrm>
           <a:prstGeom prst="rect">
             <a:avLst/>
@@ -3656,10 +3825,18 @@
             <a:noAutofit/>
           </a:bodyPr>
           <a:p>
-            <a:pPr algn="ctr"/>
+            <a:pPr algn="ctr">
+              <a:lnSpc>
+                <a:spcPct val="100000"/>
+              </a:lnSpc>
+            </a:pPr>
             <a:r>
               <a:rPr b="0" lang="fr-FR" sz="1800" spc="-1" strike="noStrike">
+                <a:solidFill>
+                  <a:srgbClr val="000000"/>
+                </a:solidFill>
                 <a:latin typeface="Arial"/>
+                <a:ea typeface="DejaVu Sans"/>
               </a:rPr>
               <a:t>-Food</a:t>
             </a:r>
@@ -3668,10 +3845,18 @@
             </a:endParaRPr>
           </a:p>
           <a:p>
-            <a:pPr algn="ctr"/>
+            <a:pPr algn="ctr">
+              <a:lnSpc>
+                <a:spcPct val="100000"/>
+              </a:lnSpc>
+            </a:pPr>
             <a:r>
               <a:rPr b="0" lang="fr-FR" sz="1800" spc="-1" strike="noStrike">
+                <a:solidFill>
+                  <a:srgbClr val="000000"/>
+                </a:solidFill>
                 <a:latin typeface="Arial"/>
+                <a:ea typeface="DejaVu Sans"/>
               </a:rPr>
               <a:t>-Mart</a:t>
             </a:r>
@@ -3680,10 +3865,18 @@
             </a:endParaRPr>
           </a:p>
           <a:p>
-            <a:pPr algn="ctr"/>
+            <a:pPr algn="ctr">
+              <a:lnSpc>
+                <a:spcPct val="100000"/>
+              </a:lnSpc>
+            </a:pPr>
             <a:r>
               <a:rPr b="0" lang="fr-FR" sz="1800" spc="-1" strike="noStrike">
+                <a:solidFill>
+                  <a:srgbClr val="000000"/>
+                </a:solidFill>
                 <a:latin typeface="Arial"/>
+                <a:ea typeface="DejaVu Sans"/>
               </a:rPr>
               <a:t>-Delivery</a:t>
             </a:r>
@@ -3692,10 +3885,18 @@
             </a:endParaRPr>
           </a:p>
           <a:p>
-            <a:pPr algn="ctr"/>
+            <a:pPr algn="ctr">
+              <a:lnSpc>
+                <a:spcPct val="100000"/>
+              </a:lnSpc>
+            </a:pPr>
             <a:r>
               <a:rPr b="0" lang="fr-FR" sz="1800" spc="-1" strike="noStrike">
+                <a:solidFill>
+                  <a:srgbClr val="000000"/>
+                </a:solidFill>
                 <a:latin typeface="Arial"/>
+                <a:ea typeface="DejaVu Sans"/>
               </a:rPr>
               <a:t>-Transport</a:t>
             </a:r>
@@ -3704,10 +3905,18 @@
             </a:endParaRPr>
           </a:p>
           <a:p>
-            <a:pPr algn="ctr"/>
+            <a:pPr algn="ctr">
+              <a:lnSpc>
+                <a:spcPct val="100000"/>
+              </a:lnSpc>
+            </a:pPr>
             <a:r>
               <a:rPr b="0" lang="fr-FR" sz="1800" spc="-1" strike="noStrike">
+                <a:solidFill>
+                  <a:srgbClr val="000000"/>
+                </a:solidFill>
                 <a:latin typeface="Arial"/>
+                <a:ea typeface="DejaVu Sans"/>
               </a:rPr>
               <a:t>-Insurance</a:t>
             </a:r>
@@ -3716,10 +3925,18 @@
             </a:endParaRPr>
           </a:p>
           <a:p>
-            <a:pPr algn="ctr"/>
+            <a:pPr algn="ctr">
+              <a:lnSpc>
+                <a:spcPct val="100000"/>
+              </a:lnSpc>
+            </a:pPr>
             <a:r>
               <a:rPr b="0" lang="fr-FR" sz="1800" spc="-1" strike="noStrike">
+                <a:solidFill>
+                  <a:srgbClr val="000000"/>
+                </a:solidFill>
                 <a:latin typeface="Arial"/>
+                <a:ea typeface="DejaVu Sans"/>
               </a:rPr>
               <a:t>-gift card</a:t>
             </a:r>
@@ -3728,10 +3945,18 @@
             </a:endParaRPr>
           </a:p>
           <a:p>
-            <a:pPr algn="ctr"/>
+            <a:pPr algn="ctr">
+              <a:lnSpc>
+                <a:spcPct val="100000"/>
+              </a:lnSpc>
+            </a:pPr>
             <a:r>
               <a:rPr b="0" lang="fr-FR" sz="1800" spc="-1" strike="noStrike">
+                <a:solidFill>
+                  <a:srgbClr val="000000"/>
+                </a:solidFill>
                 <a:latin typeface="Arial"/>
+                <a:ea typeface="DejaVu Sans"/>
               </a:rPr>
               <a:t>-Offers</a:t>
             </a:r>
@@ -3740,16 +3965,28 @@
             </a:endParaRPr>
           </a:p>
           <a:p>
-            <a:pPr algn="ctr"/>
+            <a:pPr algn="ctr">
+              <a:lnSpc>
+                <a:spcPct val="100000"/>
+              </a:lnSpc>
+            </a:pPr>
             <a:r>
               <a:rPr b="0" lang="fr-FR" sz="1800" spc="-1" strike="sngStrike">
+                <a:solidFill>
+                  <a:srgbClr val="000000"/>
+                </a:solidFill>
                 <a:latin typeface="Arial"/>
+                <a:ea typeface="DejaVu Sans"/>
               </a:rPr>
               <a:t>More (health, </a:t>
             </a:r>
             <a:r>
               <a:rPr b="0" lang="fr-FR" sz="1800" spc="-1" strike="noStrike">
+                <a:solidFill>
+                  <a:srgbClr val="000000"/>
+                </a:solidFill>
                 <a:latin typeface="Arial"/>
+                <a:ea typeface="DejaVu Sans"/>
               </a:rPr>
               <a:t>vest,hotels, experiences)</a:t>
             </a:r>
@@ -3805,7 +4042,7 @@
         <p:spPr>
           <a:xfrm>
             <a:off x="11512440" y="243000"/>
-            <a:ext cx="450360" cy="450360"/>
+            <a:ext cx="450000" cy="450000"/>
           </a:xfrm>
           <a:prstGeom prst="ellipse">
             <a:avLst/>
@@ -3861,7 +4098,7 @@
         <p:spPr>
           <a:xfrm>
             <a:off x="567720" y="331920"/>
-            <a:ext cx="10763280" cy="851760"/>
+            <a:ext cx="10762920" cy="851400"/>
           </a:xfrm>
           <a:prstGeom prst="rect">
             <a:avLst/>
@@ -3921,13 +4158,13 @@
         </p:nvPicPr>
         <p:blipFill>
           <a:blip r:embed="rId1"/>
-          <a:srcRect l="24715" t="11804" r="22867" b="9452"/>
+          <a:srcRect l="24711" t="11804" r="22864" b="9452"/>
           <a:stretch/>
         </p:blipFill>
         <p:spPr>
           <a:xfrm>
             <a:off x="4104000" y="1183680"/>
-            <a:ext cx="4391640" cy="5399640"/>
+            <a:ext cx="4391280" cy="5399280"/>
           </a:xfrm>
           <a:prstGeom prst="rect">
             <a:avLst/>
@@ -3983,7 +4220,7 @@
         <p:spPr>
           <a:xfrm>
             <a:off x="11512440" y="243000"/>
-            <a:ext cx="450360" cy="450360"/>
+            <a:ext cx="450000" cy="450000"/>
           </a:xfrm>
           <a:prstGeom prst="ellipse">
             <a:avLst/>
@@ -4039,7 +4276,7 @@
         <p:spPr>
           <a:xfrm>
             <a:off x="648000" y="1618200"/>
-            <a:ext cx="10712160" cy="4650840"/>
+            <a:ext cx="10711800" cy="4650480"/>
           </a:xfrm>
           <a:prstGeom prst="roundRect">
             <a:avLst>
@@ -4090,57 +4327,7 @@
                 <a:latin typeface="Calibri"/>
                 <a:ea typeface="DejaVu Sans"/>
               </a:rPr>
-              <a:t>Notre </a:t>
-            </a:r>
-            <a:r>
-              <a:rPr b="0" lang="fr-FR" sz="2000" spc="-1" strike="noStrike">
-                <a:solidFill>
-                  <a:srgbClr val="ffffff"/>
-                </a:solidFill>
-                <a:latin typeface="Calibri"/>
-                <a:ea typeface="DejaVu Sans"/>
-              </a:rPr>
-              <a:t>SupperApp va </a:t>
-            </a:r>
-            <a:r>
-              <a:rPr b="0" lang="fr-FR" sz="2000" spc="-1" strike="noStrike">
-                <a:solidFill>
-                  <a:srgbClr val="ffffff"/>
-                </a:solidFill>
-                <a:latin typeface="Calibri"/>
-                <a:ea typeface="DejaVu Sans"/>
-              </a:rPr>
-              <a:t>couvrir </a:t>
-            </a:r>
-            <a:r>
-              <a:rPr b="0" lang="fr-FR" sz="2000" spc="-1" strike="noStrike">
-                <a:solidFill>
-                  <a:srgbClr val="ffffff"/>
-                </a:solidFill>
-                <a:latin typeface="Calibri"/>
-                <a:ea typeface="DejaVu Sans"/>
-              </a:rPr>
-              <a:t>l’ensemble des </a:t>
-            </a:r>
-            <a:r>
-              <a:rPr b="0" lang="fr-FR" sz="2000" spc="-1" strike="noStrike">
-                <a:solidFill>
-                  <a:srgbClr val="ffffff"/>
-                </a:solidFill>
-                <a:latin typeface="Calibri"/>
-                <a:ea typeface="DejaVu Sans"/>
-              </a:rPr>
-              <a:t>applications </a:t>
-            </a:r>
-            <a:r>
-              <a:rPr b="0" lang="fr-FR" sz="2000" spc="-1" strike="noStrike">
-                <a:solidFill>
-                  <a:srgbClr val="ffffff"/>
-                </a:solidFill>
-                <a:latin typeface="Calibri"/>
-                <a:ea typeface="DejaVu Sans"/>
-              </a:rPr>
-              <a:t>suivants :</a:t>
+              <a:t>Notre SupperApp va couvrir l’ensemble des applications suivants :</a:t>
             </a:r>
             <a:endParaRPr b="0" lang="fr-FR" sz="2000" spc="-1" strike="noStrike">
               <a:latin typeface="Arial"/>
@@ -4176,27 +4363,7 @@
                 <a:latin typeface="Calibri"/>
                 <a:ea typeface="DejaVu Sans"/>
               </a:rPr>
-              <a:t>- E-Commerce </a:t>
-            </a:r>
-            <a:r>
-              <a:rPr b="0" lang="fr-FR" sz="2000" spc="-1" strike="noStrike">
-                <a:solidFill>
-                  <a:srgbClr val="ffffff"/>
-                </a:solidFill>
-                <a:latin typeface="Calibri"/>
-                <a:ea typeface="DejaVu Sans"/>
-              </a:rPr>
-              <a:t>(Biens et </a:t>
-            </a:r>
-            <a:r>
-              <a:rPr b="0" lang="fr-FR" sz="2000" spc="-1" strike="noStrike">
-                <a:solidFill>
-                  <a:srgbClr val="ffffff"/>
-                </a:solidFill>
-                <a:latin typeface="Calibri"/>
-                <a:ea typeface="DejaVu Sans"/>
-              </a:rPr>
-              <a:t>services)</a:t>
+              <a:t>- E-Commerce (Biens et services)</a:t>
             </a:r>
             <a:endParaRPr b="0" lang="fr-FR" sz="2000" spc="-1" strike="noStrike">
               <a:latin typeface="Arial"/>
@@ -4242,7 +4409,7 @@
                 <a:latin typeface="Calibri"/>
                 <a:ea typeface="DejaVu Sans"/>
               </a:rPr>
-              <a:t>- Hotels</a:t>
+              <a:t>- Hôtels</a:t>
             </a:r>
             <a:endParaRPr b="0" lang="fr-FR" sz="2000" spc="-1" strike="noStrike">
               <a:latin typeface="Arial"/>
@@ -4265,17 +4432,7 @@
                 <a:latin typeface="Calibri"/>
                 <a:ea typeface="DejaVu Sans"/>
               </a:rPr>
-              <a:t>- Livraison </a:t>
-            </a:r>
-            <a:r>
-              <a:rPr b="0" lang="fr-FR" sz="2000" spc="-1" strike="noStrike">
-                <a:solidFill>
-                  <a:srgbClr val="ffffff"/>
-                </a:solidFill>
-                <a:latin typeface="Calibri"/>
-                <a:ea typeface="DejaVu Sans"/>
-              </a:rPr>
-              <a:t>restaurants</a:t>
+              <a:t>- Livraison restaurants</a:t>
             </a:r>
             <a:endParaRPr b="0" lang="fr-FR" sz="2000" spc="-1" strike="noStrike">
               <a:latin typeface="Arial"/>
@@ -4321,7 +4478,7 @@
                 <a:latin typeface="Calibri"/>
                 <a:ea typeface="DejaVu Sans"/>
               </a:rPr>
-              <a:t>- Delivery</a:t>
+              <a:t>- Livraison</a:t>
             </a:r>
             <a:endParaRPr b="0" lang="fr-FR" sz="2000" spc="-1" strike="noStrike">
               <a:latin typeface="Arial"/>
@@ -4338,7 +4495,7 @@
         <p:spPr>
           <a:xfrm>
             <a:off x="567720" y="331920"/>
-            <a:ext cx="10763280" cy="851760"/>
+            <a:ext cx="10762920" cy="851400"/>
           </a:xfrm>
           <a:prstGeom prst="rect">
             <a:avLst/>
@@ -4392,47 +4549,7 @@
                 <a:latin typeface="Noto Sans"/>
                 <a:ea typeface="Noto Sans"/>
               </a:rPr>
-              <a:t>és</a:t>
-            </a:r>
-            <a:r>
-              <a:rPr b="0" lang="fr-FR" sz="5000" spc="-1" strike="noStrike">
-                <a:solidFill>
-                  <a:srgbClr val="ffffff"/>
-                </a:solidFill>
-                <a:latin typeface="Noto Sans"/>
-                <a:ea typeface="Noto Sans"/>
-              </a:rPr>
-              <a:t>umé </a:t>
-            </a:r>
-            <a:r>
-              <a:rPr b="0" lang="fr-FR" sz="5000" spc="-1" strike="noStrike">
-                <a:solidFill>
-                  <a:srgbClr val="ffffff"/>
-                </a:solidFill>
-                <a:latin typeface="Noto Sans"/>
-                <a:ea typeface="Noto Sans"/>
-              </a:rPr>
-              <a:t>du </a:t>
-            </a:r>
-            <a:r>
-              <a:rPr b="0" lang="fr-FR" sz="5000" spc="-1" strike="noStrike">
-                <a:solidFill>
-                  <a:srgbClr val="ffffff"/>
-                </a:solidFill>
-                <a:latin typeface="Noto Sans"/>
-                <a:ea typeface="Noto Sans"/>
-              </a:rPr>
-              <a:t>proj</a:t>
-            </a:r>
-            <a:r>
-              <a:rPr b="0" lang="fr-FR" sz="5000" spc="-1" strike="noStrike">
-                <a:solidFill>
-                  <a:srgbClr val="ffffff"/>
-                </a:solidFill>
-                <a:latin typeface="Noto Sans"/>
-                <a:ea typeface="Noto Sans"/>
-              </a:rPr>
-              <a:t>et</a:t>
+              <a:t>ésumé du projet</a:t>
             </a:r>
             <a:endParaRPr b="0" lang="fr-FR" sz="5000" spc="-1" strike="noStrike">
               <a:latin typeface="Arial"/>
@@ -4486,7 +4603,7 @@
         <p:spPr>
           <a:xfrm>
             <a:off x="11512440" y="243000"/>
-            <a:ext cx="450360" cy="450360"/>
+            <a:ext cx="450000" cy="450000"/>
           </a:xfrm>
           <a:prstGeom prst="ellipse">
             <a:avLst/>
@@ -4542,7 +4659,7 @@
         <p:spPr>
           <a:xfrm>
             <a:off x="567720" y="331920"/>
-            <a:ext cx="10763280" cy="851760"/>
+            <a:ext cx="10762920" cy="851400"/>
           </a:xfrm>
           <a:prstGeom prst="rect">
             <a:avLst/>
@@ -4586,37 +4703,7 @@
                 <a:latin typeface="Noto Sans"/>
                 <a:ea typeface="Noto Sans"/>
               </a:rPr>
-              <a:t>Diagr</a:t>
-            </a:r>
-            <a:r>
-              <a:rPr b="0" lang="fr-FR" sz="5000" spc="-1" strike="noStrike">
-                <a:solidFill>
-                  <a:srgbClr val="ffffff"/>
-                </a:solidFill>
-                <a:latin typeface="Noto Sans"/>
-                <a:ea typeface="Noto Sans"/>
-              </a:rPr>
-              <a:t>amme </a:t>
-            </a:r>
-            <a:r>
-              <a:rPr b="0" lang="fr-FR" sz="5000" spc="-1" strike="noStrike">
-                <a:solidFill>
-                  <a:srgbClr val="ffffff"/>
-                </a:solidFill>
-                <a:latin typeface="Noto Sans"/>
-                <a:ea typeface="Noto Sans"/>
-              </a:rPr>
-              <a:t>génér</a:t>
-            </a:r>
-            <a:r>
-              <a:rPr b="0" lang="fr-FR" sz="5000" spc="-1" strike="noStrike">
-                <a:solidFill>
-                  <a:srgbClr val="ffffff"/>
-                </a:solidFill>
-                <a:latin typeface="Noto Sans"/>
-                <a:ea typeface="Noto Sans"/>
-              </a:rPr>
-              <a:t>ale</a:t>
+              <a:t>Diagramme générale</a:t>
             </a:r>
             <a:endParaRPr b="0" lang="fr-FR" sz="5000" spc="-1" strike="noStrike">
               <a:latin typeface="Arial"/>
@@ -4638,7 +4725,7 @@
         <p:spPr>
           <a:xfrm>
             <a:off x="1944360" y="1368360"/>
-            <a:ext cx="8783640" cy="4823640"/>
+            <a:ext cx="8783280" cy="4823280"/>
           </a:xfrm>
           <a:prstGeom prst="rect">
             <a:avLst/>
@@ -4694,7 +4781,7 @@
         <p:spPr>
           <a:xfrm>
             <a:off x="11512440" y="243000"/>
-            <a:ext cx="450360" cy="450360"/>
+            <a:ext cx="450000" cy="450000"/>
           </a:xfrm>
           <a:prstGeom prst="ellipse">
             <a:avLst/>
@@ -4750,7 +4837,7 @@
         <p:spPr>
           <a:xfrm>
             <a:off x="567720" y="331920"/>
-            <a:ext cx="10763280" cy="851760"/>
+            <a:ext cx="10762920" cy="851400"/>
           </a:xfrm>
           <a:prstGeom prst="rect">
             <a:avLst/>
@@ -4794,67 +4881,7 @@
                 <a:latin typeface="Noto Sans"/>
                 <a:ea typeface="Noto Sans"/>
               </a:rPr>
-              <a:t>Dia</a:t>
-            </a:r>
-            <a:r>
-              <a:rPr b="0" lang="fr-FR" sz="5000" spc="-1" strike="noStrike">
-                <a:solidFill>
-                  <a:srgbClr val="ffffff"/>
-                </a:solidFill>
-                <a:latin typeface="Noto Sans"/>
-                <a:ea typeface="Noto Sans"/>
-              </a:rPr>
-              <a:t>gra</a:t>
-            </a:r>
-            <a:r>
-              <a:rPr b="0" lang="fr-FR" sz="5000" spc="-1" strike="noStrike">
-                <a:solidFill>
-                  <a:srgbClr val="ffffff"/>
-                </a:solidFill>
-                <a:latin typeface="Noto Sans"/>
-                <a:ea typeface="Noto Sans"/>
-              </a:rPr>
-              <a:t>mm</a:t>
-            </a:r>
-            <a:r>
-              <a:rPr b="0" lang="fr-FR" sz="5000" spc="-1" strike="noStrike">
-                <a:solidFill>
-                  <a:srgbClr val="ffffff"/>
-                </a:solidFill>
-                <a:latin typeface="Noto Sans"/>
-                <a:ea typeface="Noto Sans"/>
-              </a:rPr>
-              <a:t>e E-</a:t>
-            </a:r>
-            <a:r>
-              <a:rPr b="0" lang="fr-FR" sz="5000" spc="-1" strike="noStrike">
-                <a:solidFill>
-                  <a:srgbClr val="ffffff"/>
-                </a:solidFill>
-                <a:latin typeface="Noto Sans"/>
-                <a:ea typeface="Noto Sans"/>
-              </a:rPr>
-              <a:t>Co</a:t>
-            </a:r>
-            <a:r>
-              <a:rPr b="0" lang="fr-FR" sz="5000" spc="-1" strike="noStrike">
-                <a:solidFill>
-                  <a:srgbClr val="ffffff"/>
-                </a:solidFill>
-                <a:latin typeface="Noto Sans"/>
-                <a:ea typeface="Noto Sans"/>
-              </a:rPr>
-              <a:t>mm</a:t>
-            </a:r>
-            <a:r>
-              <a:rPr b="0" lang="fr-FR" sz="5000" spc="-1" strike="noStrike">
-                <a:solidFill>
-                  <a:srgbClr val="ffffff"/>
-                </a:solidFill>
-                <a:latin typeface="Noto Sans"/>
-                <a:ea typeface="Noto Sans"/>
-              </a:rPr>
-              <a:t>erce</a:t>
+              <a:t>Diagramme E-Commerce</a:t>
             </a:r>
             <a:endParaRPr b="0" lang="fr-FR" sz="5000" spc="-1" strike="noStrike">
               <a:latin typeface="Arial"/>
@@ -4870,13 +4897,13 @@
         </p:nvPicPr>
         <p:blipFill>
           <a:blip r:embed="rId1"/>
-          <a:srcRect l="5516" t="0" r="29655" b="2784"/>
+          <a:srcRect l="5516" t="0" r="29650" b="2784"/>
           <a:stretch/>
         </p:blipFill>
         <p:spPr>
           <a:xfrm>
             <a:off x="1656000" y="1183680"/>
-            <a:ext cx="9288000" cy="5295960"/>
+            <a:ext cx="9287640" cy="5295600"/>
           </a:xfrm>
           <a:prstGeom prst="rect">
             <a:avLst/>
@@ -4932,7 +4959,7 @@
         <p:spPr>
           <a:xfrm>
             <a:off x="11512440" y="243000"/>
-            <a:ext cx="450360" cy="450360"/>
+            <a:ext cx="450000" cy="450000"/>
           </a:xfrm>
           <a:prstGeom prst="ellipse">
             <a:avLst/>
@@ -4988,7 +5015,7 @@
         <p:spPr>
           <a:xfrm>
             <a:off x="567720" y="331920"/>
-            <a:ext cx="10763280" cy="851760"/>
+            <a:ext cx="10762920" cy="851400"/>
           </a:xfrm>
           <a:prstGeom prst="rect">
             <a:avLst/>
@@ -5049,7 +5076,7 @@
         <p:spPr>
           <a:xfrm>
             <a:off x="648000" y="1618200"/>
-            <a:ext cx="10712160" cy="4650840"/>
+            <a:ext cx="10711800" cy="4650480"/>
           </a:xfrm>
           <a:prstGeom prst="roundRect">
             <a:avLst>
@@ -5100,237 +5127,7 @@
                 <a:latin typeface="Calibri"/>
                 <a:ea typeface="DejaVu Sans"/>
               </a:rPr>
-              <a:t>- </a:t>
-            </a:r>
-            <a:r>
-              <a:rPr b="0" lang="fr-FR" sz="2000" spc="-1" strike="noStrike">
-                <a:solidFill>
-                  <a:srgbClr val="ffffff"/>
-                </a:solidFill>
-                <a:latin typeface="Calibri"/>
-                <a:ea typeface="DejaVu Sans"/>
-              </a:rPr>
-              <a:t>M</a:t>
-            </a:r>
-            <a:r>
-              <a:rPr b="0" lang="fr-FR" sz="2000" spc="-1" strike="noStrike">
-                <a:solidFill>
-                  <a:srgbClr val="ffffff"/>
-                </a:solidFill>
-                <a:latin typeface="Calibri"/>
-                <a:ea typeface="DejaVu Sans"/>
-              </a:rPr>
-              <a:t>es</a:t>
-            </a:r>
-            <a:r>
-              <a:rPr b="0" lang="fr-FR" sz="2000" spc="-1" strike="noStrike">
-                <a:solidFill>
-                  <a:srgbClr val="ffffff"/>
-                </a:solidFill>
-                <a:latin typeface="Calibri"/>
-                <a:ea typeface="DejaVu Sans"/>
-              </a:rPr>
-              <a:t>sa</a:t>
-            </a:r>
-            <a:r>
-              <a:rPr b="0" lang="fr-FR" sz="2000" spc="-1" strike="noStrike">
-                <a:solidFill>
-                  <a:srgbClr val="ffffff"/>
-                </a:solidFill>
-                <a:latin typeface="Calibri"/>
-                <a:ea typeface="DejaVu Sans"/>
-              </a:rPr>
-              <a:t>ge</a:t>
-            </a:r>
-            <a:r>
-              <a:rPr b="0" lang="fr-FR" sz="2000" spc="-1" strike="noStrike">
-                <a:solidFill>
-                  <a:srgbClr val="ffffff"/>
-                </a:solidFill>
-                <a:latin typeface="Calibri"/>
-                <a:ea typeface="DejaVu Sans"/>
-              </a:rPr>
-              <a:t>rie </a:t>
-            </a:r>
-            <a:r>
-              <a:rPr b="0" lang="fr-FR" sz="2000" spc="-1" strike="noStrike">
-                <a:solidFill>
-                  <a:srgbClr val="ffffff"/>
-                </a:solidFill>
-                <a:latin typeface="Calibri"/>
-                <a:ea typeface="DejaVu Sans"/>
-              </a:rPr>
-              <a:t>en</a:t>
-            </a:r>
-            <a:r>
-              <a:rPr b="0" lang="fr-FR" sz="2000" spc="-1" strike="noStrike">
-                <a:solidFill>
-                  <a:srgbClr val="ffffff"/>
-                </a:solidFill>
-                <a:latin typeface="Calibri"/>
-                <a:ea typeface="DejaVu Sans"/>
-              </a:rPr>
-              <a:t>tr</a:t>
-            </a:r>
-            <a:r>
-              <a:rPr b="0" lang="fr-FR" sz="2000" spc="-1" strike="noStrike">
-                <a:solidFill>
-                  <a:srgbClr val="ffffff"/>
-                </a:solidFill>
-                <a:latin typeface="Calibri"/>
-                <a:ea typeface="DejaVu Sans"/>
-              </a:rPr>
-              <a:t>e </a:t>
-            </a:r>
-            <a:r>
-              <a:rPr b="0" lang="fr-FR" sz="2000" spc="-1" strike="noStrike">
-                <a:solidFill>
-                  <a:srgbClr val="ffffff"/>
-                </a:solidFill>
-                <a:latin typeface="Calibri"/>
-                <a:ea typeface="DejaVu Sans"/>
-              </a:rPr>
-              <a:t>cli</a:t>
-            </a:r>
-            <a:r>
-              <a:rPr b="0" lang="fr-FR" sz="2000" spc="-1" strike="noStrike">
-                <a:solidFill>
-                  <a:srgbClr val="ffffff"/>
-                </a:solidFill>
-                <a:latin typeface="Calibri"/>
-                <a:ea typeface="DejaVu Sans"/>
-              </a:rPr>
-              <a:t>en</a:t>
-            </a:r>
-            <a:r>
-              <a:rPr b="0" lang="fr-FR" sz="2000" spc="-1" strike="noStrike">
-                <a:solidFill>
-                  <a:srgbClr val="ffffff"/>
-                </a:solidFill>
-                <a:latin typeface="Calibri"/>
-                <a:ea typeface="DejaVu Sans"/>
-              </a:rPr>
-              <a:t>t </a:t>
-            </a:r>
-            <a:r>
-              <a:rPr b="0" lang="fr-FR" sz="2000" spc="-1" strike="noStrike">
-                <a:solidFill>
-                  <a:srgbClr val="ffffff"/>
-                </a:solidFill>
-                <a:latin typeface="Calibri"/>
-                <a:ea typeface="DejaVu Sans"/>
-              </a:rPr>
-              <a:t>et </a:t>
-            </a:r>
-            <a:r>
-              <a:rPr b="0" lang="fr-FR" sz="2000" spc="-1" strike="noStrike">
-                <a:solidFill>
-                  <a:srgbClr val="ffffff"/>
-                </a:solidFill>
-                <a:latin typeface="Calibri"/>
-                <a:ea typeface="DejaVu Sans"/>
-              </a:rPr>
-              <a:t>fo</a:t>
-            </a:r>
-            <a:r>
-              <a:rPr b="0" lang="fr-FR" sz="2000" spc="-1" strike="noStrike">
-                <a:solidFill>
-                  <a:srgbClr val="ffffff"/>
-                </a:solidFill>
-                <a:latin typeface="Calibri"/>
-                <a:ea typeface="DejaVu Sans"/>
-              </a:rPr>
-              <a:t>ur</a:t>
-            </a:r>
-            <a:r>
-              <a:rPr b="0" lang="fr-FR" sz="2000" spc="-1" strike="noStrike">
-                <a:solidFill>
-                  <a:srgbClr val="ffffff"/>
-                </a:solidFill>
-                <a:latin typeface="Calibri"/>
-                <a:ea typeface="DejaVu Sans"/>
-              </a:rPr>
-              <a:t>ni</a:t>
-            </a:r>
-            <a:r>
-              <a:rPr b="0" lang="fr-FR" sz="2000" spc="-1" strike="noStrike">
-                <a:solidFill>
-                  <a:srgbClr val="ffffff"/>
-                </a:solidFill>
-                <a:latin typeface="Calibri"/>
-                <a:ea typeface="DejaVu Sans"/>
-              </a:rPr>
-              <a:t>ss</a:t>
-            </a:r>
-            <a:r>
-              <a:rPr b="0" lang="fr-FR" sz="2000" spc="-1" strike="noStrike">
-                <a:solidFill>
-                  <a:srgbClr val="ffffff"/>
-                </a:solidFill>
-                <a:latin typeface="Calibri"/>
-                <a:ea typeface="DejaVu Sans"/>
-              </a:rPr>
-              <a:t>eu</a:t>
-            </a:r>
-            <a:r>
-              <a:rPr b="0" lang="fr-FR" sz="2000" spc="-1" strike="noStrike">
-                <a:solidFill>
-                  <a:srgbClr val="ffffff"/>
-                </a:solidFill>
-                <a:latin typeface="Calibri"/>
-                <a:ea typeface="DejaVu Sans"/>
-              </a:rPr>
-              <a:t>rs </a:t>
-            </a:r>
-            <a:r>
-              <a:rPr b="0" lang="fr-FR" sz="2000" spc="-1" strike="noStrike">
-                <a:solidFill>
-                  <a:srgbClr val="ffffff"/>
-                </a:solidFill>
-                <a:latin typeface="Calibri"/>
-                <a:ea typeface="DejaVu Sans"/>
-              </a:rPr>
-              <a:t>de </a:t>
-            </a:r>
-            <a:r>
-              <a:rPr b="0" lang="fr-FR" sz="2000" spc="-1" strike="noStrike">
-                <a:solidFill>
-                  <a:srgbClr val="ffffff"/>
-                </a:solidFill>
-                <a:latin typeface="Calibri"/>
-                <a:ea typeface="DejaVu Sans"/>
-              </a:rPr>
-              <a:t>se</a:t>
-            </a:r>
-            <a:r>
-              <a:rPr b="0" lang="fr-FR" sz="2000" spc="-1" strike="noStrike">
-                <a:solidFill>
-                  <a:srgbClr val="ffffff"/>
-                </a:solidFill>
-                <a:latin typeface="Calibri"/>
-                <a:ea typeface="DejaVu Sans"/>
-              </a:rPr>
-              <a:t>rvi</a:t>
-            </a:r>
-            <a:r>
-              <a:rPr b="0" lang="fr-FR" sz="2000" spc="-1" strike="noStrike">
-                <a:solidFill>
-                  <a:srgbClr val="ffffff"/>
-                </a:solidFill>
-                <a:latin typeface="Calibri"/>
-                <a:ea typeface="DejaVu Sans"/>
-              </a:rPr>
-              <a:t>ce</a:t>
-            </a:r>
-            <a:r>
-              <a:rPr b="0" lang="fr-FR" sz="2000" spc="-1" strike="noStrike">
-                <a:solidFill>
-                  <a:srgbClr val="ffffff"/>
-                </a:solidFill>
-                <a:latin typeface="Calibri"/>
-                <a:ea typeface="DejaVu Sans"/>
-              </a:rPr>
-              <a:t>s ?</a:t>
+              <a:t>- Messagerie entre client et fournisseurs de services ?</a:t>
             </a:r>
             <a:endParaRPr b="0" lang="fr-FR" sz="2000" spc="-1" strike="noStrike">
               <a:latin typeface="Arial"/>
@@ -5353,157 +5150,7 @@
                 <a:latin typeface="Calibri"/>
                 <a:ea typeface="DejaVu Sans"/>
               </a:rPr>
-              <a:t>- </a:t>
-            </a:r>
-            <a:r>
-              <a:rPr b="0" lang="fr-FR" sz="2000" spc="-1" strike="noStrike">
-                <a:solidFill>
-                  <a:srgbClr val="ffffff"/>
-                </a:solidFill>
-                <a:latin typeface="Calibri"/>
-                <a:ea typeface="DejaVu Sans"/>
-              </a:rPr>
-              <a:t>Au</a:t>
-            </a:r>
-            <a:r>
-              <a:rPr b="0" lang="fr-FR" sz="2000" spc="-1" strike="noStrike">
-                <a:solidFill>
-                  <a:srgbClr val="ffffff"/>
-                </a:solidFill>
-                <a:latin typeface="Calibri"/>
-                <a:ea typeface="DejaVu Sans"/>
-              </a:rPr>
-              <a:t>ro</a:t>
-            </a:r>
-            <a:r>
-              <a:rPr b="0" lang="fr-FR" sz="2000" spc="-1" strike="noStrike">
-                <a:solidFill>
-                  <a:srgbClr val="ffffff"/>
-                </a:solidFill>
-                <a:latin typeface="Calibri"/>
-                <a:ea typeface="DejaVu Sans"/>
-              </a:rPr>
-              <a:t>ns</a:t>
-            </a:r>
-            <a:r>
-              <a:rPr b="0" lang="fr-FR" sz="2000" spc="-1" strike="noStrike">
-                <a:solidFill>
-                  <a:srgbClr val="ffffff"/>
-                </a:solidFill>
-                <a:latin typeface="Calibri"/>
-                <a:ea typeface="DejaVu Sans"/>
-              </a:rPr>
-              <a:t>-</a:t>
-            </a:r>
-            <a:r>
-              <a:rPr b="0" lang="fr-FR" sz="2000" spc="-1" strike="noStrike">
-                <a:solidFill>
-                  <a:srgbClr val="ffffff"/>
-                </a:solidFill>
-                <a:latin typeface="Calibri"/>
-                <a:ea typeface="DejaVu Sans"/>
-              </a:rPr>
-              <a:t>no</a:t>
-            </a:r>
-            <a:r>
-              <a:rPr b="0" lang="fr-FR" sz="2000" spc="-1" strike="noStrike">
-                <a:solidFill>
-                  <a:srgbClr val="ffffff"/>
-                </a:solidFill>
-                <a:latin typeface="Calibri"/>
-                <a:ea typeface="DejaVu Sans"/>
-              </a:rPr>
-              <a:t>us </a:t>
-            </a:r>
-            <a:r>
-              <a:rPr b="0" lang="fr-FR" sz="2000" spc="-1" strike="noStrike">
-                <a:solidFill>
-                  <a:srgbClr val="ffffff"/>
-                </a:solidFill>
-                <a:latin typeface="Calibri"/>
-                <a:ea typeface="DejaVu Sans"/>
-              </a:rPr>
-              <a:t>no</a:t>
-            </a:r>
-            <a:r>
-              <a:rPr b="0" lang="fr-FR" sz="2000" spc="-1" strike="noStrike">
-                <a:solidFill>
-                  <a:srgbClr val="ffffff"/>
-                </a:solidFill>
-                <a:latin typeface="Calibri"/>
-                <a:ea typeface="DejaVu Sans"/>
-              </a:rPr>
-              <a:t>s </a:t>
-            </a:r>
-            <a:r>
-              <a:rPr b="0" lang="fr-FR" sz="2000" spc="-1" strike="noStrike">
-                <a:solidFill>
-                  <a:srgbClr val="ffffff"/>
-                </a:solidFill>
-                <a:latin typeface="Calibri"/>
-                <a:ea typeface="DejaVu Sans"/>
-              </a:rPr>
-              <a:t>pr</a:t>
-            </a:r>
-            <a:r>
-              <a:rPr b="0" lang="fr-FR" sz="2000" spc="-1" strike="noStrike">
-                <a:solidFill>
-                  <a:srgbClr val="ffffff"/>
-                </a:solidFill>
-                <a:latin typeface="Calibri"/>
-                <a:ea typeface="DejaVu Sans"/>
-              </a:rPr>
-              <a:t>op</a:t>
-            </a:r>
-            <a:r>
-              <a:rPr b="0" lang="fr-FR" sz="2000" spc="-1" strike="noStrike">
-                <a:solidFill>
-                  <a:srgbClr val="ffffff"/>
-                </a:solidFill>
-                <a:latin typeface="Calibri"/>
-                <a:ea typeface="DejaVu Sans"/>
-              </a:rPr>
-              <a:t>re </a:t>
-            </a:r>
-            <a:r>
-              <a:rPr b="0" lang="fr-FR" sz="2000" spc="-1" strike="noStrike">
-                <a:solidFill>
-                  <a:srgbClr val="ffffff"/>
-                </a:solidFill>
-                <a:latin typeface="Calibri"/>
-                <a:ea typeface="DejaVu Sans"/>
-              </a:rPr>
-              <a:t>pr</a:t>
-            </a:r>
-            <a:r>
-              <a:rPr b="0" lang="fr-FR" sz="2000" spc="-1" strike="noStrike">
-                <a:solidFill>
-                  <a:srgbClr val="ffffff"/>
-                </a:solidFill>
-                <a:latin typeface="Calibri"/>
-                <a:ea typeface="DejaVu Sans"/>
-              </a:rPr>
-              <a:t>od</a:t>
-            </a:r>
-            <a:r>
-              <a:rPr b="0" lang="fr-FR" sz="2000" spc="-1" strike="noStrike">
-                <a:solidFill>
-                  <a:srgbClr val="ffffff"/>
-                </a:solidFill>
-                <a:latin typeface="Calibri"/>
-                <a:ea typeface="DejaVu Sans"/>
-              </a:rPr>
-              <a:t>uit</a:t>
-            </a:r>
-            <a:r>
-              <a:rPr b="0" lang="fr-FR" sz="2000" spc="-1" strike="noStrike">
-                <a:solidFill>
-                  <a:srgbClr val="ffffff"/>
-                </a:solidFill>
-                <a:latin typeface="Calibri"/>
-                <a:ea typeface="DejaVu Sans"/>
-              </a:rPr>
-              <a:t>s ? </a:t>
+              <a:t>- Aurons-nous nos propre produits ? </a:t>
             </a:r>
             <a:endParaRPr b="0" lang="fr-FR" sz="2000" spc="-1" strike="noStrike">
               <a:latin typeface="Arial"/>
@@ -5526,327 +5173,7 @@
                 <a:latin typeface="Calibri"/>
                 <a:ea typeface="DejaVu Sans"/>
               </a:rPr>
-              <a:t>- </a:t>
-            </a:r>
-            <a:r>
-              <a:rPr b="0" lang="fr-FR" sz="2000" spc="-1" strike="noStrike">
-                <a:solidFill>
-                  <a:srgbClr val="ffffff"/>
-                </a:solidFill>
-                <a:latin typeface="Calibri"/>
-                <a:ea typeface="DejaVu Sans"/>
-              </a:rPr>
-              <a:t>Un</a:t>
-            </a:r>
-            <a:r>
-              <a:rPr b="0" lang="fr-FR" sz="2000" spc="-1" strike="noStrike">
-                <a:solidFill>
-                  <a:srgbClr val="ffffff"/>
-                </a:solidFill>
-                <a:latin typeface="Calibri"/>
-                <a:ea typeface="DejaVu Sans"/>
-              </a:rPr>
-              <a:t>e </a:t>
-            </a:r>
-            <a:r>
-              <a:rPr b="0" lang="fr-FR" sz="2000" spc="-1" strike="noStrike">
-                <a:solidFill>
-                  <a:srgbClr val="ffffff"/>
-                </a:solidFill>
-                <a:latin typeface="Calibri"/>
-                <a:ea typeface="DejaVu Sans"/>
-              </a:rPr>
-              <a:t>se</a:t>
-            </a:r>
-            <a:r>
-              <a:rPr b="0" lang="fr-FR" sz="2000" spc="-1" strike="noStrike">
-                <a:solidFill>
-                  <a:srgbClr val="ffffff"/>
-                </a:solidFill>
-                <a:latin typeface="Calibri"/>
-                <a:ea typeface="DejaVu Sans"/>
-              </a:rPr>
-              <a:t>ul</a:t>
-            </a:r>
-            <a:r>
-              <a:rPr b="0" lang="fr-FR" sz="2000" spc="-1" strike="noStrike">
-                <a:solidFill>
-                  <a:srgbClr val="ffffff"/>
-                </a:solidFill>
-                <a:latin typeface="Calibri"/>
-                <a:ea typeface="DejaVu Sans"/>
-              </a:rPr>
-              <a:t>e </a:t>
-            </a:r>
-            <a:r>
-              <a:rPr b="0" lang="fr-FR" sz="2000" spc="-1" strike="noStrike">
-                <a:solidFill>
-                  <a:srgbClr val="ffffff"/>
-                </a:solidFill>
-                <a:latin typeface="Calibri"/>
-                <a:ea typeface="DejaVu Sans"/>
-              </a:rPr>
-              <a:t>ap</a:t>
-            </a:r>
-            <a:r>
-              <a:rPr b="0" lang="fr-FR" sz="2000" spc="-1" strike="noStrike">
-                <a:solidFill>
-                  <a:srgbClr val="ffffff"/>
-                </a:solidFill>
-                <a:latin typeface="Calibri"/>
-                <a:ea typeface="DejaVu Sans"/>
-              </a:rPr>
-              <a:t>pli</a:t>
-            </a:r>
-            <a:r>
-              <a:rPr b="0" lang="fr-FR" sz="2000" spc="-1" strike="noStrike">
-                <a:solidFill>
-                  <a:srgbClr val="ffffff"/>
-                </a:solidFill>
-                <a:latin typeface="Calibri"/>
-                <a:ea typeface="DejaVu Sans"/>
-              </a:rPr>
-              <a:t>ca</a:t>
-            </a:r>
-            <a:r>
-              <a:rPr b="0" lang="fr-FR" sz="2000" spc="-1" strike="noStrike">
-                <a:solidFill>
-                  <a:srgbClr val="ffffff"/>
-                </a:solidFill>
-                <a:latin typeface="Calibri"/>
-                <a:ea typeface="DejaVu Sans"/>
-              </a:rPr>
-              <a:t>tio</a:t>
-            </a:r>
-            <a:r>
-              <a:rPr b="0" lang="fr-FR" sz="2000" spc="-1" strike="noStrike">
-                <a:solidFill>
-                  <a:srgbClr val="ffffff"/>
-                </a:solidFill>
-                <a:latin typeface="Calibri"/>
-                <a:ea typeface="DejaVu Sans"/>
-              </a:rPr>
-              <a:t>n </a:t>
-            </a:r>
-            <a:r>
-              <a:rPr b="0" lang="fr-FR" sz="2000" spc="-1" strike="noStrike">
-                <a:solidFill>
-                  <a:srgbClr val="ffffff"/>
-                </a:solidFill>
-                <a:latin typeface="Calibri"/>
-                <a:ea typeface="DejaVu Sans"/>
-              </a:rPr>
-              <a:t>po</a:t>
-            </a:r>
-            <a:r>
-              <a:rPr b="0" lang="fr-FR" sz="2000" spc="-1" strike="noStrike">
-                <a:solidFill>
-                  <a:srgbClr val="ffffff"/>
-                </a:solidFill>
-                <a:latin typeface="Calibri"/>
-                <a:ea typeface="DejaVu Sans"/>
-              </a:rPr>
-              <a:t>ur </a:t>
-            </a:r>
-            <a:r>
-              <a:rPr b="0" lang="fr-FR" sz="2000" spc="-1" strike="noStrike">
-                <a:solidFill>
-                  <a:srgbClr val="ffffff"/>
-                </a:solidFill>
-                <a:latin typeface="Calibri"/>
-                <a:ea typeface="DejaVu Sans"/>
-              </a:rPr>
-              <a:t>le</a:t>
-            </a:r>
-            <a:r>
-              <a:rPr b="0" lang="fr-FR" sz="2000" spc="-1" strike="noStrike">
-                <a:solidFill>
-                  <a:srgbClr val="ffffff"/>
-                </a:solidFill>
-                <a:latin typeface="Calibri"/>
-                <a:ea typeface="DejaVu Sans"/>
-              </a:rPr>
-              <a:t>s </a:t>
-            </a:r>
-            <a:r>
-              <a:rPr b="0" lang="fr-FR" sz="2000" spc="-1" strike="noStrike">
-                <a:solidFill>
-                  <a:srgbClr val="ffffff"/>
-                </a:solidFill>
-                <a:latin typeface="Calibri"/>
-                <a:ea typeface="DejaVu Sans"/>
-              </a:rPr>
-              <a:t>3 </a:t>
-            </a:r>
-            <a:r>
-              <a:rPr b="0" lang="fr-FR" sz="2000" spc="-1" strike="noStrike">
-                <a:solidFill>
-                  <a:srgbClr val="ffffff"/>
-                </a:solidFill>
-                <a:latin typeface="Calibri"/>
-                <a:ea typeface="DejaVu Sans"/>
-              </a:rPr>
-              <a:t>ac</a:t>
-            </a:r>
-            <a:r>
-              <a:rPr b="0" lang="fr-FR" sz="2000" spc="-1" strike="noStrike">
-                <a:solidFill>
-                  <a:srgbClr val="ffffff"/>
-                </a:solidFill>
-                <a:latin typeface="Calibri"/>
-                <a:ea typeface="DejaVu Sans"/>
-              </a:rPr>
-              <a:t>te</a:t>
-            </a:r>
-            <a:r>
-              <a:rPr b="0" lang="fr-FR" sz="2000" spc="-1" strike="noStrike">
-                <a:solidFill>
-                  <a:srgbClr val="ffffff"/>
-                </a:solidFill>
-                <a:latin typeface="Calibri"/>
-                <a:ea typeface="DejaVu Sans"/>
-              </a:rPr>
-              <a:t>ur</a:t>
-            </a:r>
-            <a:r>
-              <a:rPr b="0" lang="fr-FR" sz="2000" spc="-1" strike="noStrike">
-                <a:solidFill>
-                  <a:srgbClr val="ffffff"/>
-                </a:solidFill>
-                <a:latin typeface="Calibri"/>
-                <a:ea typeface="DejaVu Sans"/>
-              </a:rPr>
-              <a:t>s </a:t>
-            </a:r>
-            <a:r>
-              <a:rPr b="0" lang="fr-FR" sz="2000" spc="-1" strike="noStrike">
-                <a:solidFill>
-                  <a:srgbClr val="ffffff"/>
-                </a:solidFill>
-                <a:latin typeface="Calibri"/>
-                <a:ea typeface="DejaVu Sans"/>
-              </a:rPr>
-              <a:t>de</a:t>
-            </a:r>
-            <a:r>
-              <a:rPr b="0" lang="fr-FR" sz="2000" spc="-1" strike="noStrike">
-                <a:solidFill>
-                  <a:srgbClr val="ffffff"/>
-                </a:solidFill>
-                <a:latin typeface="Calibri"/>
-                <a:ea typeface="DejaVu Sans"/>
-              </a:rPr>
-              <a:t>s </a:t>
-            </a:r>
-            <a:r>
-              <a:rPr b="0" lang="fr-FR" sz="2000" spc="-1" strike="noStrike">
-                <a:solidFill>
-                  <a:srgbClr val="ffffff"/>
-                </a:solidFill>
-                <a:latin typeface="Calibri"/>
-                <a:ea typeface="DejaVu Sans"/>
-              </a:rPr>
-              <a:t>di</a:t>
-            </a:r>
-            <a:r>
-              <a:rPr b="0" lang="fr-FR" sz="2000" spc="-1" strike="noStrike">
-                <a:solidFill>
-                  <a:srgbClr val="ffffff"/>
-                </a:solidFill>
-                <a:latin typeface="Calibri"/>
-                <a:ea typeface="DejaVu Sans"/>
-              </a:rPr>
-              <a:t>ffé</a:t>
-            </a:r>
-            <a:r>
-              <a:rPr b="0" lang="fr-FR" sz="2000" spc="-1" strike="noStrike">
-                <a:solidFill>
-                  <a:srgbClr val="ffffff"/>
-                </a:solidFill>
-                <a:latin typeface="Calibri"/>
-                <a:ea typeface="DejaVu Sans"/>
-              </a:rPr>
-              <a:t>re</a:t>
-            </a:r>
-            <a:r>
-              <a:rPr b="0" lang="fr-FR" sz="2000" spc="-1" strike="noStrike">
-                <a:solidFill>
-                  <a:srgbClr val="ffffff"/>
-                </a:solidFill>
-                <a:latin typeface="Calibri"/>
-                <a:ea typeface="DejaVu Sans"/>
-              </a:rPr>
-              <a:t>nt</a:t>
-            </a:r>
-            <a:r>
-              <a:rPr b="0" lang="fr-FR" sz="2000" spc="-1" strike="noStrike">
-                <a:solidFill>
-                  <a:srgbClr val="ffffff"/>
-                </a:solidFill>
-                <a:latin typeface="Calibri"/>
-                <a:ea typeface="DejaVu Sans"/>
-              </a:rPr>
-              <a:t>s </a:t>
-            </a:r>
-            <a:r>
-              <a:rPr b="0" lang="fr-FR" sz="2000" spc="-1" strike="noStrike">
-                <a:solidFill>
-                  <a:srgbClr val="ffffff"/>
-                </a:solidFill>
-                <a:latin typeface="Calibri"/>
-                <a:ea typeface="DejaVu Sans"/>
-              </a:rPr>
-              <a:t>ap</a:t>
-            </a:r>
-            <a:r>
-              <a:rPr b="0" lang="fr-FR" sz="2000" spc="-1" strike="noStrike">
-                <a:solidFill>
-                  <a:srgbClr val="ffffff"/>
-                </a:solidFill>
-                <a:latin typeface="Calibri"/>
-                <a:ea typeface="DejaVu Sans"/>
-              </a:rPr>
-              <a:t>pli</a:t>
-            </a:r>
-            <a:r>
-              <a:rPr b="0" lang="fr-FR" sz="2000" spc="-1" strike="noStrike">
-                <a:solidFill>
-                  <a:srgbClr val="ffffff"/>
-                </a:solidFill>
-                <a:latin typeface="Calibri"/>
-                <a:ea typeface="DejaVu Sans"/>
-              </a:rPr>
-              <a:t>ca</a:t>
-            </a:r>
-            <a:r>
-              <a:rPr b="0" lang="fr-FR" sz="2000" spc="-1" strike="noStrike">
-                <a:solidFill>
-                  <a:srgbClr val="ffffff"/>
-                </a:solidFill>
-                <a:latin typeface="Calibri"/>
-                <a:ea typeface="DejaVu Sans"/>
-              </a:rPr>
-              <a:t>tio</a:t>
-            </a:r>
-            <a:r>
-              <a:rPr b="0" lang="fr-FR" sz="2000" spc="-1" strike="noStrike">
-                <a:solidFill>
-                  <a:srgbClr val="ffffff"/>
-                </a:solidFill>
-                <a:latin typeface="Calibri"/>
-                <a:ea typeface="DejaVu Sans"/>
-              </a:rPr>
-              <a:t>ns </a:t>
-            </a:r>
-            <a:r>
-              <a:rPr b="0" lang="fr-FR" sz="2000" spc="-1" strike="noStrike">
-                <a:solidFill>
-                  <a:srgbClr val="ffffff"/>
-                </a:solidFill>
-                <a:latin typeface="Calibri"/>
-                <a:ea typeface="DejaVu Sans"/>
-              </a:rPr>
-              <a:t>?</a:t>
+              <a:t>- Une seule application pour les 3 acteurs des différents applications ?</a:t>
             </a:r>
             <a:endParaRPr b="0" lang="fr-FR" sz="2000" spc="-1" strike="noStrike">
               <a:latin typeface="Arial"/>
@@ -5869,127 +5196,7 @@
                 <a:latin typeface="Calibri"/>
                 <a:ea typeface="DejaVu Sans"/>
               </a:rPr>
-              <a:t>- </a:t>
-            </a:r>
-            <a:r>
-              <a:rPr b="0" lang="fr-FR" sz="2000" spc="-1" strike="noStrike">
-                <a:solidFill>
-                  <a:srgbClr val="ffffff"/>
-                </a:solidFill>
-                <a:latin typeface="Calibri"/>
-                <a:ea typeface="DejaVu Sans"/>
-              </a:rPr>
-              <a:t>uti</a:t>
-            </a:r>
-            <a:r>
-              <a:rPr b="0" lang="fr-FR" sz="2000" spc="-1" strike="noStrike">
-                <a:solidFill>
-                  <a:srgbClr val="ffffff"/>
-                </a:solidFill>
-                <a:latin typeface="Calibri"/>
-                <a:ea typeface="DejaVu Sans"/>
-              </a:rPr>
-              <a:t>lis</a:t>
-            </a:r>
-            <a:r>
-              <a:rPr b="0" lang="fr-FR" sz="2000" spc="-1" strike="noStrike">
-                <a:solidFill>
-                  <a:srgbClr val="ffffff"/>
-                </a:solidFill>
-                <a:latin typeface="Calibri"/>
-                <a:ea typeface="DejaVu Sans"/>
-              </a:rPr>
-              <a:t>ati</a:t>
-            </a:r>
-            <a:r>
-              <a:rPr b="0" lang="fr-FR" sz="2000" spc="-1" strike="noStrike">
-                <a:solidFill>
-                  <a:srgbClr val="ffffff"/>
-                </a:solidFill>
-                <a:latin typeface="Calibri"/>
-                <a:ea typeface="DejaVu Sans"/>
-              </a:rPr>
-              <a:t>on </a:t>
-            </a:r>
-            <a:r>
-              <a:rPr b="0" lang="fr-FR" sz="2000" spc="-1" strike="noStrike">
-                <a:solidFill>
-                  <a:srgbClr val="ffffff"/>
-                </a:solidFill>
-                <a:latin typeface="Calibri"/>
-                <a:ea typeface="DejaVu Sans"/>
-              </a:rPr>
-              <a:t>du </a:t>
-            </a:r>
-            <a:r>
-              <a:rPr b="0" lang="fr-FR" sz="2000" spc="-1" strike="noStrike">
-                <a:solidFill>
-                  <a:srgbClr val="ffffff"/>
-                </a:solidFill>
-                <a:latin typeface="Calibri"/>
-                <a:ea typeface="DejaVu Sans"/>
-              </a:rPr>
-              <a:t>m</a:t>
-            </a:r>
-            <a:r>
-              <a:rPr b="0" lang="fr-FR" sz="2000" spc="-1" strike="noStrike">
-                <a:solidFill>
-                  <a:srgbClr val="ffffff"/>
-                </a:solidFill>
-                <a:latin typeface="Calibri"/>
-                <a:ea typeface="DejaVu Sans"/>
-              </a:rPr>
-              <a:t>ét</a:t>
-            </a:r>
-            <a:r>
-              <a:rPr b="0" lang="fr-FR" sz="2000" spc="-1" strike="noStrike">
-                <a:solidFill>
-                  <a:srgbClr val="ffffff"/>
-                </a:solidFill>
-                <a:latin typeface="Calibri"/>
-                <a:ea typeface="DejaVu Sans"/>
-              </a:rPr>
-              <a:t>ho</a:t>
-            </a:r>
-            <a:r>
-              <a:rPr b="0" lang="fr-FR" sz="2000" spc="-1" strike="noStrike">
-                <a:solidFill>
-                  <a:srgbClr val="ffffff"/>
-                </a:solidFill>
-                <a:latin typeface="Calibri"/>
-                <a:ea typeface="DejaVu Sans"/>
-              </a:rPr>
-              <a:t>de </a:t>
-            </a:r>
-            <a:r>
-              <a:rPr b="0" lang="fr-FR" sz="2000" spc="-1" strike="noStrike">
-                <a:solidFill>
-                  <a:srgbClr val="ffffff"/>
-                </a:solidFill>
-                <a:latin typeface="Calibri"/>
-                <a:ea typeface="DejaVu Sans"/>
-              </a:rPr>
-              <a:t>ag</a:t>
-            </a:r>
-            <a:r>
-              <a:rPr b="0" lang="fr-FR" sz="2000" spc="-1" strike="noStrike">
-                <a:solidFill>
-                  <a:srgbClr val="ffffff"/>
-                </a:solidFill>
-                <a:latin typeface="Calibri"/>
-                <a:ea typeface="DejaVu Sans"/>
-              </a:rPr>
-              <a:t>ile</a:t>
-            </a:r>
-            <a:r>
-              <a:rPr b="0" lang="fr-FR" sz="2000" spc="-1" strike="noStrike">
-                <a:solidFill>
-                  <a:srgbClr val="ffffff"/>
-                </a:solidFill>
-                <a:latin typeface="Calibri"/>
-                <a:ea typeface="DejaVu Sans"/>
-              </a:rPr>
-              <a:t> ?</a:t>
+              <a:t>- utilisation du méthode agile ?</a:t>
             </a:r>
             <a:endParaRPr b="0" lang="fr-FR" sz="2000" spc="-1" strike="noStrike">
               <a:latin typeface="Arial"/>
@@ -6012,7 +5219,17 @@
                 <a:latin typeface="Calibri"/>
                 <a:ea typeface="DejaVu Sans"/>
               </a:rPr>
-              <a:t>- </a:t>
+              <a:t>- Authentification utilisé par </a:t>
+            </a:r>
+            <a:r>
+              <a:rPr b="0" lang="en-US" sz="2000" spc="-1" strike="noStrike">
+                <a:solidFill>
+                  <a:srgbClr val="ffffff"/>
+                </a:solidFill>
+                <a:latin typeface="Calibri"/>
+                <a:ea typeface="DejaVu Sans"/>
+              </a:rPr>
+              <a:t>Next</a:t>
             </a:r>
             <a:r>
               <a:rPr b="0" lang="fr-FR" sz="2000" spc="-1" strike="noStrike">
@@ -6022,7 +5239,17 @@
                 <a:latin typeface="Calibri"/>
                 <a:ea typeface="DejaVu Sans"/>
               </a:rPr>
-              <a:t>Au</a:t>
+              <a:t> </a:t>
+            </a:r>
+            <a:r>
+              <a:rPr b="0" lang="en-US" sz="2000" spc="-1" strike="noStrike">
+                <a:solidFill>
+                  <a:srgbClr val="ffffff"/>
+                </a:solidFill>
+                <a:latin typeface="Calibri"/>
+                <a:ea typeface="DejaVu Sans"/>
+              </a:rPr>
+              <a:t>Technology</a:t>
             </a:r>
             <a:r>
               <a:rPr b="0" lang="fr-FR" sz="2000" spc="-1" strike="noStrike">
@@ -6032,317 +5259,7 @@
                 <a:latin typeface="Calibri"/>
                 <a:ea typeface="DejaVu Sans"/>
               </a:rPr>
-              <a:t>th</a:t>
-            </a:r>
-            <a:r>
-              <a:rPr b="0" lang="fr-FR" sz="2000" spc="-1" strike="noStrike">
-                <a:solidFill>
-                  <a:srgbClr val="ffffff"/>
-                </a:solidFill>
-                <a:latin typeface="Calibri"/>
-                <a:ea typeface="DejaVu Sans"/>
-              </a:rPr>
-              <a:t>en</a:t>
-            </a:r>
-            <a:r>
-              <a:rPr b="0" lang="fr-FR" sz="2000" spc="-1" strike="noStrike">
-                <a:solidFill>
-                  <a:srgbClr val="ffffff"/>
-                </a:solidFill>
-                <a:latin typeface="Calibri"/>
-                <a:ea typeface="DejaVu Sans"/>
-              </a:rPr>
-              <a:t>tifi</a:t>
-            </a:r>
-            <a:r>
-              <a:rPr b="0" lang="fr-FR" sz="2000" spc="-1" strike="noStrike">
-                <a:solidFill>
-                  <a:srgbClr val="ffffff"/>
-                </a:solidFill>
-                <a:latin typeface="Calibri"/>
-                <a:ea typeface="DejaVu Sans"/>
-              </a:rPr>
-              <a:t>ca</a:t>
-            </a:r>
-            <a:r>
-              <a:rPr b="0" lang="fr-FR" sz="2000" spc="-1" strike="noStrike">
-                <a:solidFill>
-                  <a:srgbClr val="ffffff"/>
-                </a:solidFill>
-                <a:latin typeface="Calibri"/>
-                <a:ea typeface="DejaVu Sans"/>
-              </a:rPr>
-              <a:t>tio</a:t>
-            </a:r>
-            <a:r>
-              <a:rPr b="0" lang="fr-FR" sz="2000" spc="-1" strike="noStrike">
-                <a:solidFill>
-                  <a:srgbClr val="ffffff"/>
-                </a:solidFill>
-                <a:latin typeface="Calibri"/>
-                <a:ea typeface="DejaVu Sans"/>
-              </a:rPr>
-              <a:t>n </a:t>
-            </a:r>
-            <a:r>
-              <a:rPr b="0" lang="fr-FR" sz="2000" spc="-1" strike="noStrike">
-                <a:solidFill>
-                  <a:srgbClr val="ffffff"/>
-                </a:solidFill>
-                <a:latin typeface="Calibri"/>
-                <a:ea typeface="DejaVu Sans"/>
-              </a:rPr>
-              <a:t>uti</a:t>
-            </a:r>
-            <a:r>
-              <a:rPr b="0" lang="fr-FR" sz="2000" spc="-1" strike="noStrike">
-                <a:solidFill>
-                  <a:srgbClr val="ffffff"/>
-                </a:solidFill>
-                <a:latin typeface="Calibri"/>
-                <a:ea typeface="DejaVu Sans"/>
-              </a:rPr>
-              <a:t>lis</a:t>
-            </a:r>
-            <a:r>
-              <a:rPr b="0" lang="fr-FR" sz="2000" spc="-1" strike="noStrike">
-                <a:solidFill>
-                  <a:srgbClr val="ffffff"/>
-                </a:solidFill>
-                <a:latin typeface="Calibri"/>
-                <a:ea typeface="DejaVu Sans"/>
-              </a:rPr>
-              <a:t>é</a:t>
-            </a:r>
-            <a:r>
-              <a:rPr b="0" lang="fr-FR" sz="2000" spc="-1" strike="noStrike">
-                <a:solidFill>
-                  <a:srgbClr val="ffffff"/>
-                </a:solidFill>
-                <a:latin typeface="Calibri"/>
-                <a:ea typeface="DejaVu Sans"/>
-              </a:rPr>
-              <a:t> </a:t>
-            </a:r>
-            <a:r>
-              <a:rPr b="0" lang="fr-FR" sz="2000" spc="-1" strike="noStrike">
-                <a:solidFill>
-                  <a:srgbClr val="ffffff"/>
-                </a:solidFill>
-                <a:latin typeface="Calibri"/>
-                <a:ea typeface="DejaVu Sans"/>
-              </a:rPr>
-              <a:t>pa</a:t>
-            </a:r>
-            <a:r>
-              <a:rPr b="0" lang="fr-FR" sz="2000" spc="-1" strike="noStrike">
-                <a:solidFill>
-                  <a:srgbClr val="ffffff"/>
-                </a:solidFill>
-                <a:latin typeface="Calibri"/>
-                <a:ea typeface="DejaVu Sans"/>
-              </a:rPr>
-              <a:t>r </a:t>
-            </a:r>
-            <a:r>
-              <a:rPr b="0" lang="en-US" sz="2000" spc="-1" strike="noStrike">
-                <a:solidFill>
-                  <a:srgbClr val="ffffff"/>
-                </a:solidFill>
-                <a:latin typeface="Calibri"/>
-                <a:ea typeface="DejaVu Sans"/>
-              </a:rPr>
-              <a:t>Ne</a:t>
-            </a:r>
-            <a:r>
-              <a:rPr b="0" lang="en-US" sz="2000" spc="-1" strike="noStrike">
-                <a:solidFill>
-                  <a:srgbClr val="ffffff"/>
-                </a:solidFill>
-                <a:latin typeface="Calibri"/>
-                <a:ea typeface="DejaVu Sans"/>
-              </a:rPr>
-              <a:t>xt</a:t>
-            </a:r>
-            <a:r>
-              <a:rPr b="0" lang="fr-FR" sz="2000" spc="-1" strike="noStrike">
-                <a:solidFill>
-                  <a:srgbClr val="ffffff"/>
-                </a:solidFill>
-                <a:latin typeface="Calibri"/>
-                <a:ea typeface="DejaVu Sans"/>
-              </a:rPr>
-              <a:t> </a:t>
-            </a:r>
-            <a:r>
-              <a:rPr b="0" lang="en-US" sz="2000" spc="-1" strike="noStrike">
-                <a:solidFill>
-                  <a:srgbClr val="ffffff"/>
-                </a:solidFill>
-                <a:latin typeface="Calibri"/>
-                <a:ea typeface="DejaVu Sans"/>
-              </a:rPr>
-              <a:t>Te</a:t>
-            </a:r>
-            <a:r>
-              <a:rPr b="0" lang="en-US" sz="2000" spc="-1" strike="noStrike">
-                <a:solidFill>
-                  <a:srgbClr val="ffffff"/>
-                </a:solidFill>
-                <a:latin typeface="Calibri"/>
-                <a:ea typeface="DejaVu Sans"/>
-              </a:rPr>
-              <a:t>ch</a:t>
-            </a:r>
-            <a:r>
-              <a:rPr b="0" lang="en-US" sz="2000" spc="-1" strike="noStrike">
-                <a:solidFill>
-                  <a:srgbClr val="ffffff"/>
-                </a:solidFill>
-                <a:latin typeface="Calibri"/>
-                <a:ea typeface="DejaVu Sans"/>
-              </a:rPr>
-              <a:t>no</a:t>
-            </a:r>
-            <a:r>
-              <a:rPr b="0" lang="en-US" sz="2000" spc="-1" strike="noStrike">
-                <a:solidFill>
-                  <a:srgbClr val="ffffff"/>
-                </a:solidFill>
-                <a:latin typeface="Calibri"/>
-                <a:ea typeface="DejaVu Sans"/>
-              </a:rPr>
-              <a:t>lo</a:t>
-            </a:r>
-            <a:r>
-              <a:rPr b="0" lang="en-US" sz="2000" spc="-1" strike="noStrike">
-                <a:solidFill>
-                  <a:srgbClr val="ffffff"/>
-                </a:solidFill>
-                <a:latin typeface="Calibri"/>
-                <a:ea typeface="DejaVu Sans"/>
-              </a:rPr>
-              <a:t>gy</a:t>
-            </a:r>
-            <a:r>
-              <a:rPr b="0" lang="fr-FR" sz="2000" spc="-1" strike="noStrike">
-                <a:solidFill>
-                  <a:srgbClr val="ffffff"/>
-                </a:solidFill>
-                <a:latin typeface="Calibri"/>
-                <a:ea typeface="DejaVu Sans"/>
-              </a:rPr>
-              <a:t> ? </a:t>
-            </a:r>
-            <a:r>
-              <a:rPr b="0" lang="fr-FR" sz="2000" spc="-1" strike="noStrike">
-                <a:solidFill>
-                  <a:srgbClr val="ffffff"/>
-                </a:solidFill>
-                <a:latin typeface="Calibri"/>
-                <a:ea typeface="DejaVu Sans"/>
-              </a:rPr>
-              <a:t>(t</a:t>
-            </a:r>
-            <a:r>
-              <a:rPr b="0" lang="fr-FR" sz="2000" spc="-1" strike="noStrike">
-                <a:solidFill>
-                  <a:srgbClr val="ffffff"/>
-                </a:solidFill>
-                <a:latin typeface="Calibri"/>
-                <a:ea typeface="DejaVu Sans"/>
-              </a:rPr>
-              <a:t>ok</a:t>
-            </a:r>
-            <a:r>
-              <a:rPr b="0" lang="fr-FR" sz="2000" spc="-1" strike="noStrike">
-                <a:solidFill>
-                  <a:srgbClr val="ffffff"/>
-                </a:solidFill>
-                <a:latin typeface="Calibri"/>
-                <a:ea typeface="DejaVu Sans"/>
-              </a:rPr>
-              <a:t>en</a:t>
-            </a:r>
-            <a:r>
-              <a:rPr b="0" lang="fr-FR" sz="2000" spc="-1" strike="noStrike">
-                <a:solidFill>
-                  <a:srgbClr val="ffffff"/>
-                </a:solidFill>
-                <a:latin typeface="Calibri"/>
-                <a:ea typeface="DejaVu Sans"/>
-              </a:rPr>
-              <a:t>, </a:t>
-            </a:r>
-            <a:r>
-              <a:rPr b="0" lang="fr-FR" sz="2000" spc="-1" strike="noStrike">
-                <a:solidFill>
-                  <a:srgbClr val="ffffff"/>
-                </a:solidFill>
-                <a:latin typeface="Calibri"/>
-                <a:ea typeface="DejaVu Sans"/>
-              </a:rPr>
-              <a:t>jw</a:t>
-            </a:r>
-            <a:r>
-              <a:rPr b="0" lang="fr-FR" sz="2000" spc="-1" strike="noStrike">
-                <a:solidFill>
-                  <a:srgbClr val="ffffff"/>
-                </a:solidFill>
-                <a:latin typeface="Calibri"/>
-                <a:ea typeface="DejaVu Sans"/>
-              </a:rPr>
-              <a:t>t, </a:t>
-            </a:r>
-            <a:r>
-              <a:rPr b="0" lang="fr-FR" sz="2000" spc="-1" strike="noStrike">
-                <a:solidFill>
-                  <a:srgbClr val="ffffff"/>
-                </a:solidFill>
-                <a:latin typeface="Calibri"/>
-                <a:ea typeface="DejaVu Sans"/>
-              </a:rPr>
-              <a:t>au</a:t>
-            </a:r>
-            <a:r>
-              <a:rPr b="0" lang="fr-FR" sz="2000" spc="-1" strike="noStrike">
-                <a:solidFill>
-                  <a:srgbClr val="ffffff"/>
-                </a:solidFill>
-                <a:latin typeface="Calibri"/>
-                <a:ea typeface="DejaVu Sans"/>
-              </a:rPr>
-              <a:t>tr</a:t>
-            </a:r>
-            <a:r>
-              <a:rPr b="0" lang="fr-FR" sz="2000" spc="-1" strike="noStrike">
-                <a:solidFill>
-                  <a:srgbClr val="ffffff"/>
-                </a:solidFill>
-                <a:latin typeface="Calibri"/>
-                <a:ea typeface="DejaVu Sans"/>
-              </a:rPr>
-              <a:t>e</a:t>
-            </a:r>
-            <a:r>
-              <a:rPr b="0" lang="fr-FR" sz="2000" spc="-1" strike="noStrike">
-                <a:solidFill>
-                  <a:srgbClr val="ffffff"/>
-                </a:solidFill>
-                <a:latin typeface="Calibri"/>
-                <a:ea typeface="DejaVu Sans"/>
-              </a:rPr>
-              <a:t>…) </a:t>
-            </a:r>
-            <a:r>
-              <a:rPr b="0" lang="fr-FR" sz="2000" spc="-1" strike="noStrike">
-                <a:solidFill>
-                  <a:srgbClr val="ffffff"/>
-                </a:solidFill>
-                <a:latin typeface="Calibri"/>
-                <a:ea typeface="DejaVu Sans"/>
-              </a:rPr>
-              <a:t>.</a:t>
+              <a:t> ? (token, jwt, autre…) .</a:t>
             </a:r>
             <a:endParaRPr b="0" lang="fr-FR" sz="2000" spc="-1" strike="noStrike">
               <a:latin typeface="Arial"/>
@@ -6365,8 +5282,159 @@
                 <a:latin typeface="Calibri"/>
                 <a:ea typeface="DejaVu Sans"/>
               </a:rPr>
-              <a:t>- </a:t>
-            </a:r>
+              <a:t>- le délai et notre plan ? </a:t>
+            </a:r>
+            <a:endParaRPr b="0" lang="fr-FR" sz="2000" spc="-1" strike="noStrike">
+              <a:latin typeface="Arial"/>
+            </a:endParaRPr>
+          </a:p>
+        </p:txBody>
+      </p:sp>
+    </p:spTree>
+  </p:cSld>
+  <mc:AlternateContent>
+    <mc:Choice Requires="p14">
+      <p:transition spd="slow" p14:dur="2000"/>
+    </mc:Choice>
+    <mc:Fallback>
+      <p:transition spd="slow"/>
+    </mc:Fallback>
+  </mc:AlternateContent>
+</p:sld>
+</file>
+
+<file path=ppt/slides/slide8.xml><?xml version="1.0" encoding="utf-8"?>
+<p:sld xmlns:a="http://schemas.openxmlformats.org/drawingml/2006/main" xmlns:p="http://schemas.openxmlformats.org/presentationml/2006/main" xmlns:r="http://schemas.openxmlformats.org/officeDocument/2006/relationships" xmlns:p14="http://schemas.microsoft.com/office/powerpoint/2010/main" xmlns:p15="http://schemas.microsoft.com/office/powerpoint/2012/main" xmlns:mc="http://schemas.openxmlformats.org/markup-compatibility/2006">
+  <p:cSld>
+    <p:bg>
+      <p:bgPr>
+        <a:solidFill>
+          <a:srgbClr val="282f39"/>
+        </a:solidFill>
+      </p:bgPr>
+    </p:bg>
+    <p:spTree>
+      <p:nvGrpSpPr>
+        <p:cNvPr id="1" name=""/>
+        <p:cNvGrpSpPr/>
+        <p:nvPr/>
+      </p:nvGrpSpPr>
+      <p:grpSpPr>
+        <a:xfrm>
+          <a:off x="0" y="0"/>
+          <a:ext cx="0" cy="0"/>
+          <a:chOff x="0" y="0"/>
+          <a:chExt cx="0" cy="0"/>
+        </a:xfrm>
+      </p:grpSpPr>
+      <p:sp>
+        <p:nvSpPr>
+          <p:cNvPr id="98" name="CustomShape 1"/>
+          <p:cNvSpPr/>
+          <p:nvPr/>
+        </p:nvSpPr>
+        <p:spPr>
+          <a:xfrm>
+            <a:off x="11512440" y="243000"/>
+            <a:ext cx="450000" cy="450000"/>
+          </a:xfrm>
+          <a:prstGeom prst="ellipse">
+            <a:avLst/>
+          </a:prstGeom>
+          <a:solidFill>
+            <a:srgbClr val="074d67"/>
+          </a:solidFill>
+          <a:ln w="12600">
+            <a:noFill/>
+          </a:ln>
+        </p:spPr>
+        <p:style>
+          <a:lnRef idx="0"/>
+          <a:fillRef idx="0"/>
+          <a:effectRef idx="0"/>
+          <a:fontRef idx="minor"/>
+        </p:style>
+        <p:txBody>
+          <a:bodyPr wrap="none" lIns="90000" rIns="90000" tIns="45000" bIns="45000" anchor="ctr">
+            <a:noAutofit/>
+          </a:bodyPr>
+          <a:p>
+            <a:pPr algn="ctr">
+              <a:lnSpc>
+                <a:spcPct val="100000"/>
+              </a:lnSpc>
+              <a:tabLst>
+                <a:tab algn="l" pos="0"/>
+              </a:tabLst>
+            </a:pPr>
+            <a:r>
+              <a:rPr b="0" lang="en-GB" sz="1800" spc="-1" strike="noStrike">
+                <a:solidFill>
+                  <a:srgbClr val="ffffff"/>
+                </a:solidFill>
+                <a:latin typeface="Noto Sans"/>
+                <a:ea typeface="Noto Sans"/>
+              </a:rPr>
+              <a:t>4</a:t>
+            </a:r>
+            <a:endParaRPr b="0" lang="fr-FR" sz="1800" spc="-1" strike="noStrike">
+              <a:latin typeface="Arial"/>
+            </a:endParaRPr>
+          </a:p>
+        </p:txBody>
+      </p:sp>
+      <p:sp>
+        <p:nvSpPr>
+          <p:cNvPr id="99" name="CustomShape 2"/>
+          <p:cNvSpPr/>
+          <p:nvPr/>
+        </p:nvSpPr>
+        <p:spPr>
+          <a:xfrm>
+            <a:off x="648000" y="1618200"/>
+            <a:ext cx="3600000" cy="4650480"/>
+          </a:xfrm>
+          <a:prstGeom prst="roundRect">
+            <a:avLst>
+              <a:gd name="adj" fmla="val 1619"/>
+            </a:avLst>
+          </a:prstGeom>
+          <a:solidFill>
+            <a:srgbClr val="074d67"/>
+          </a:solidFill>
+          <a:ln w="12600">
+            <a:noFill/>
+          </a:ln>
+        </p:spPr>
+        <p:style>
+          <a:lnRef idx="0"/>
+          <a:fillRef idx="0"/>
+          <a:effectRef idx="0"/>
+          <a:fontRef idx="minor"/>
+        </p:style>
+        <p:txBody>
+          <a:bodyPr lIns="90000" rIns="90000" tIns="45000" bIns="45000">
+            <a:noAutofit/>
+          </a:bodyPr>
+          <a:p>
+            <a:pPr algn="just">
+              <a:lnSpc>
+                <a:spcPct val="100000"/>
+              </a:lnSpc>
+            </a:pPr>
+            <a:endParaRPr b="0" lang="fr-FR" sz="1800" spc="-1" strike="noStrike">
+              <a:latin typeface="Arial"/>
+            </a:endParaRPr>
+          </a:p>
+          <a:p>
+            <a:pPr>
+              <a:lnSpc>
+                <a:spcPct val="100000"/>
+              </a:lnSpc>
+              <a:tabLst>
+                <a:tab algn="l" pos="0"/>
+              </a:tabLst>
+            </a:pPr>
             <a:r>
               <a:rPr b="0" lang="fr-FR" sz="2000" spc="-1" strike="noStrike">
                 <a:solidFill>
@@ -6375,8 +5443,193 @@
                 <a:latin typeface="Calibri"/>
                 <a:ea typeface="DejaVu Sans"/>
               </a:rPr>
-              <a:t>le </a:t>
-            </a:r>
+              <a:t>Mohamed :</a:t>
+            </a:r>
+            <a:endParaRPr b="0" lang="fr-FR" sz="2000" spc="-1" strike="noStrike">
+              <a:latin typeface="Arial"/>
+            </a:endParaRPr>
+          </a:p>
+          <a:p>
+            <a:pPr>
+              <a:lnSpc>
+                <a:spcPct val="100000"/>
+              </a:lnSpc>
+              <a:tabLst>
+                <a:tab algn="l" pos="0"/>
+              </a:tabLst>
+            </a:pPr>
+            <a:endParaRPr b="0" lang="fr-FR" sz="2000" spc="-1" strike="noStrike">
+              <a:latin typeface="Arial"/>
+            </a:endParaRPr>
+          </a:p>
+          <a:p>
+            <a:pPr>
+              <a:lnSpc>
+                <a:spcPct val="100000"/>
+              </a:lnSpc>
+              <a:tabLst>
+                <a:tab algn="l" pos="0"/>
+              </a:tabLst>
+            </a:pPr>
+            <a:endParaRPr b="0" lang="fr-FR" sz="2000" spc="-1" strike="noStrike">
+              <a:latin typeface="Arial"/>
+            </a:endParaRPr>
+          </a:p>
+        </p:txBody>
+      </p:sp>
+      <p:sp>
+        <p:nvSpPr>
+          <p:cNvPr id="100" name="CustomShape 3"/>
+          <p:cNvSpPr/>
+          <p:nvPr/>
+        </p:nvSpPr>
+        <p:spPr>
+          <a:xfrm>
+            <a:off x="567720" y="331920"/>
+            <a:ext cx="10762920" cy="851400"/>
+          </a:xfrm>
+          <a:prstGeom prst="rect">
+            <a:avLst/>
+          </a:prstGeom>
+          <a:noFill/>
+          <a:ln>
+            <a:noFill/>
+          </a:ln>
+        </p:spPr>
+        <p:style>
+          <a:lnRef idx="0"/>
+          <a:fillRef idx="0"/>
+          <a:effectRef idx="0"/>
+          <a:fontRef idx="minor"/>
+        </p:style>
+        <p:txBody>
+          <a:bodyPr lIns="90000" rIns="90000" tIns="45000" bIns="45000">
+            <a:spAutoFit/>
+          </a:bodyPr>
+          <a:p>
+            <a:pPr algn="ctr">
+              <a:lnSpc>
+                <a:spcPct val="100000"/>
+              </a:lnSpc>
+            </a:pPr>
+            <a:r>
+              <a:rPr b="0" lang="en-US" sz="5000" spc="-1" strike="noStrike">
+                <a:solidFill>
+                  <a:srgbClr val="ffffff"/>
+                </a:solidFill>
+                <a:latin typeface="Noto Sans"/>
+                <a:ea typeface="Noto Sans"/>
+              </a:rPr>
+              <a:t> </a:t>
+            </a:r>
+            <a:r>
+              <a:rPr b="0" lang="en-GB" sz="5000" spc="-1" strike="noStrike">
+                <a:solidFill>
+                  <a:srgbClr val="ffffff"/>
+                </a:solidFill>
+                <a:latin typeface="Noto Sans"/>
+                <a:ea typeface="Noto Sans"/>
+              </a:rPr>
+              <a:t>Division </a:t>
+            </a:r>
+            <a:r>
+              <a:rPr b="0" lang="fr-FR" sz="5000" spc="-1" strike="noStrike">
+                <a:solidFill>
+                  <a:srgbClr val="ffffff"/>
+                </a:solidFill>
+                <a:latin typeface="Noto Sans"/>
+                <a:ea typeface="Noto Sans"/>
+              </a:rPr>
+              <a:t>des</a:t>
+            </a:r>
+            <a:r>
+              <a:rPr b="0" lang="en-GB" sz="5000" spc="-1" strike="noStrike">
+                <a:solidFill>
+                  <a:srgbClr val="ffffff"/>
+                </a:solidFill>
+                <a:latin typeface="Noto Sans"/>
+                <a:ea typeface="Noto Sans"/>
+              </a:rPr>
+              <a:t> </a:t>
+            </a:r>
+            <a:r>
+              <a:rPr b="0" lang="fr-FR" sz="5000" spc="-1" strike="noStrike">
+                <a:solidFill>
+                  <a:srgbClr val="ffffff"/>
+                </a:solidFill>
+                <a:latin typeface="Noto Sans"/>
+                <a:ea typeface="Noto Sans"/>
+              </a:rPr>
+              <a:t>taches</a:t>
+            </a:r>
+            <a:r>
+              <a:rPr b="0" lang="en-GB" sz="5000" spc="-1" strike="noStrike">
+                <a:solidFill>
+                  <a:srgbClr val="ffffff"/>
+                </a:solidFill>
+                <a:latin typeface="Noto Sans"/>
+                <a:ea typeface="Noto Sans"/>
+              </a:rPr>
+              <a:t> :</a:t>
+            </a:r>
+            <a:endParaRPr b="0" lang="fr-FR" sz="5000" spc="-1" strike="noStrike">
+              <a:latin typeface="Arial"/>
+            </a:endParaRPr>
+          </a:p>
+        </p:txBody>
+      </p:sp>
+      <p:sp>
+        <p:nvSpPr>
+          <p:cNvPr id="101" name="CustomShape 4"/>
+          <p:cNvSpPr/>
+          <p:nvPr/>
+        </p:nvSpPr>
+        <p:spPr>
+          <a:xfrm>
+            <a:off x="8352000" y="1541520"/>
+            <a:ext cx="3600000" cy="4650480"/>
+          </a:xfrm>
+          <a:prstGeom prst="roundRect">
+            <a:avLst>
+              <a:gd name="adj" fmla="val 1619"/>
+            </a:avLst>
+          </a:prstGeom>
+          <a:solidFill>
+            <a:srgbClr val="074d67"/>
+          </a:solidFill>
+          <a:ln w="12600">
+            <a:noFill/>
+          </a:ln>
+        </p:spPr>
+        <p:style>
+          <a:lnRef idx="0"/>
+          <a:fillRef idx="0"/>
+          <a:effectRef idx="0"/>
+          <a:fontRef idx="minor"/>
+        </p:style>
+        <p:txBody>
+          <a:bodyPr lIns="90000" rIns="90000" tIns="45000" bIns="45000">
+            <a:noAutofit/>
+          </a:bodyPr>
+          <a:p>
+            <a:pPr algn="just">
+              <a:lnSpc>
+                <a:spcPct val="100000"/>
+              </a:lnSpc>
+            </a:pPr>
+            <a:endParaRPr b="0" lang="fr-FR" sz="1800" spc="-1" strike="noStrike">
+              <a:latin typeface="Arial"/>
+            </a:endParaRPr>
+          </a:p>
+          <a:p>
+            <a:pPr algn="just">
+              <a:lnSpc>
+                <a:spcPct val="100000"/>
+              </a:lnSpc>
+              <a:tabLst>
+                <a:tab algn="l" pos="0"/>
+              </a:tabLst>
+            </a:pPr>
             <a:r>
               <a:rPr b="0" lang="fr-FR" sz="2000" spc="-1" strike="noStrike">
                 <a:solidFill>
@@ -6385,8 +5638,66 @@
                 <a:latin typeface="Calibri"/>
                 <a:ea typeface="DejaVu Sans"/>
               </a:rPr>
-              <a:t>dé</a:t>
-            </a:r>
+              <a:t>Mbaré :</a:t>
+            </a:r>
+            <a:endParaRPr b="0" lang="fr-FR" sz="2000" spc="-1" strike="noStrike">
+              <a:latin typeface="Arial"/>
+            </a:endParaRPr>
+          </a:p>
+        </p:txBody>
+      </p:sp>
+      <p:sp>
+        <p:nvSpPr>
+          <p:cNvPr id="102" name="CustomShape 5"/>
+          <p:cNvSpPr/>
+          <p:nvPr/>
+        </p:nvSpPr>
+        <p:spPr>
+          <a:xfrm>
+            <a:off x="4464000" y="1584000"/>
+            <a:ext cx="3600000" cy="4650480"/>
+          </a:xfrm>
+          <a:prstGeom prst="roundRect">
+            <a:avLst>
+              <a:gd name="adj" fmla="val 1619"/>
+            </a:avLst>
+          </a:prstGeom>
+          <a:solidFill>
+            <a:srgbClr val="074d67"/>
+          </a:solidFill>
+          <a:ln w="12600">
+            <a:noFill/>
+          </a:ln>
+        </p:spPr>
+        <p:style>
+          <a:lnRef idx="0"/>
+          <a:fillRef idx="0"/>
+          <a:effectRef idx="0"/>
+          <a:fontRef idx="minor"/>
+        </p:style>
+        <p:txBody>
+          <a:bodyPr lIns="90000" rIns="90000" tIns="45000" bIns="45000">
+            <a:noAutofit/>
+          </a:bodyPr>
+          <a:p>
+            <a:pPr algn="just">
+              <a:lnSpc>
+                <a:spcPct val="100000"/>
+              </a:lnSpc>
+            </a:pPr>
+            <a:endParaRPr b="0" lang="fr-FR" sz="1800" spc="-1" strike="noStrike">
+              <a:latin typeface="Arial"/>
+            </a:endParaRPr>
+          </a:p>
+          <a:p>
+            <a:pPr algn="just">
+              <a:lnSpc>
+                <a:spcPct val="100000"/>
+              </a:lnSpc>
+              <a:tabLst>
+                <a:tab algn="l" pos="0"/>
+              </a:tabLst>
+            </a:pPr>
             <a:r>
               <a:rPr b="0" lang="fr-FR" sz="2000" spc="-1" strike="noStrike">
                 <a:solidFill>
@@ -6395,77 +5706,7 @@
                 <a:latin typeface="Calibri"/>
                 <a:ea typeface="DejaVu Sans"/>
               </a:rPr>
-              <a:t>lai </a:t>
-            </a:r>
-            <a:r>
-              <a:rPr b="0" lang="fr-FR" sz="2000" spc="-1" strike="noStrike">
-                <a:solidFill>
-                  <a:srgbClr val="ffffff"/>
-                </a:solidFill>
-                <a:latin typeface="Calibri"/>
-                <a:ea typeface="DejaVu Sans"/>
-              </a:rPr>
-              <a:t>et </a:t>
-            </a:r>
-            <a:r>
-              <a:rPr b="0" lang="fr-FR" sz="2000" spc="-1" strike="noStrike">
-                <a:solidFill>
-                  <a:srgbClr val="ffffff"/>
-                </a:solidFill>
-                <a:latin typeface="Calibri"/>
-                <a:ea typeface="DejaVu Sans"/>
-              </a:rPr>
-              <a:t>no</a:t>
-            </a:r>
-            <a:r>
-              <a:rPr b="0" lang="fr-FR" sz="2000" spc="-1" strike="noStrike">
-                <a:solidFill>
-                  <a:srgbClr val="ffffff"/>
-                </a:solidFill>
-                <a:latin typeface="Calibri"/>
-                <a:ea typeface="DejaVu Sans"/>
-              </a:rPr>
-              <a:t>tr</a:t>
-            </a:r>
-            <a:r>
-              <a:rPr b="0" lang="fr-FR" sz="2000" spc="-1" strike="noStrike">
-                <a:solidFill>
-                  <a:srgbClr val="ffffff"/>
-                </a:solidFill>
-                <a:latin typeface="Calibri"/>
-                <a:ea typeface="DejaVu Sans"/>
-              </a:rPr>
-              <a:t>e </a:t>
-            </a:r>
-            <a:r>
-              <a:rPr b="0" lang="fr-FR" sz="2000" spc="-1" strike="noStrike">
-                <a:solidFill>
-                  <a:srgbClr val="ffffff"/>
-                </a:solidFill>
-                <a:latin typeface="Calibri"/>
-                <a:ea typeface="DejaVu Sans"/>
-              </a:rPr>
-              <a:t>pl</a:t>
-            </a:r>
-            <a:r>
-              <a:rPr b="0" lang="fr-FR" sz="2000" spc="-1" strike="noStrike">
-                <a:solidFill>
-                  <a:srgbClr val="ffffff"/>
-                </a:solidFill>
-                <a:latin typeface="Calibri"/>
-                <a:ea typeface="DejaVu Sans"/>
-              </a:rPr>
-              <a:t>an</a:t>
-            </a:r>
-            <a:r>
-              <a:rPr b="0" lang="fr-FR" sz="2000" spc="-1" strike="noStrike">
-                <a:solidFill>
-                  <a:srgbClr val="ffffff"/>
-                </a:solidFill>
-                <a:latin typeface="Calibri"/>
-                <a:ea typeface="DejaVu Sans"/>
-              </a:rPr>
-              <a:t> ? </a:t>
+              <a:t>Haddemine :</a:t>
             </a:r>
             <a:endParaRPr b="0" lang="fr-FR" sz="2000" spc="-1" strike="noStrike">
               <a:latin typeface="Arial"/>
